--- a/docs/Präsentation-Wetterstation.pptx
+++ b/docs/Präsentation-Wetterstation.pptx
@@ -219,7 +219,7 @@
           <a:p>
             <a:fld id="{FF2C117B-C0F5-422A-BB80-38E90B65B144}" type="datetimeFigureOut">
               <a:rPr lang="de-CH" smtClean="0"/>
-              <a:t>23.11.2014</a:t>
+              <a:t>07.12.2014</a:t>
             </a:fld>
             <a:endParaRPr lang="de-CH"/>
           </a:p>
@@ -1290,7 +1290,7 @@
           <a:p>
             <a:fld id="{615F3A13-CF50-4394-BDBC-4B31C6F5A1FA}" type="datetime11">
               <a:rPr lang="de-CH" smtClean="0"/>
-              <a:t>21:56:07</a:t>
+              <a:t>13:34:33</a:t>
             </a:fld>
             <a:endParaRPr lang="de-CH"/>
           </a:p>
@@ -1460,7 +1460,7 @@
           <a:p>
             <a:fld id="{BA450BD8-0AB8-4761-B1C8-5DD6AD17AD71}" type="datetime11">
               <a:rPr lang="de-CH" smtClean="0"/>
-              <a:t>21:56:07</a:t>
+              <a:t>13:34:33</a:t>
             </a:fld>
             <a:endParaRPr lang="de-CH"/>
           </a:p>
@@ -1640,7 +1640,7 @@
           <a:p>
             <a:fld id="{45DEE59A-24EE-429E-876A-CD73BDA9ADB3}" type="datetime11">
               <a:rPr lang="de-CH" smtClean="0"/>
-              <a:t>21:56:07</a:t>
+              <a:t>13:34:33</a:t>
             </a:fld>
             <a:endParaRPr lang="de-CH"/>
           </a:p>
@@ -1810,7 +1810,7 @@
           <a:p>
             <a:fld id="{C2015BCF-757C-4B06-B7CE-D3928441262C}" type="datetime11">
               <a:rPr lang="de-CH" smtClean="0"/>
-              <a:t>21:56:07</a:t>
+              <a:t>13:34:33</a:t>
             </a:fld>
             <a:endParaRPr lang="de-CH"/>
           </a:p>
@@ -2056,7 +2056,7 @@
           <a:p>
             <a:fld id="{3E5EF360-8B75-46F8-B26A-61CF6DDC674D}" type="datetime11">
               <a:rPr lang="de-CH" smtClean="0"/>
-              <a:t>21:56:07</a:t>
+              <a:t>13:34:33</a:t>
             </a:fld>
             <a:endParaRPr lang="de-CH"/>
           </a:p>
@@ -2288,7 +2288,7 @@
           <a:p>
             <a:fld id="{7EB3D9EB-B72C-491C-BD2F-BA42F6403A21}" type="datetime11">
               <a:rPr lang="de-CH" smtClean="0"/>
-              <a:t>21:56:07</a:t>
+              <a:t>13:34:33</a:t>
             </a:fld>
             <a:endParaRPr lang="de-CH"/>
           </a:p>
@@ -2655,7 +2655,7 @@
           <a:p>
             <a:fld id="{BA0DF303-119A-4654-B372-1AF184FF1FA8}" type="datetime11">
               <a:rPr lang="de-CH" smtClean="0"/>
-              <a:t>21:56:07</a:t>
+              <a:t>13:34:33</a:t>
             </a:fld>
             <a:endParaRPr lang="de-CH"/>
           </a:p>
@@ -2773,7 +2773,7 @@
           <a:p>
             <a:fld id="{DD1D1021-A857-468E-BAC0-B11F3E0FFA60}" type="datetime11">
               <a:rPr lang="de-CH" smtClean="0"/>
-              <a:t>21:56:07</a:t>
+              <a:t>13:34:33</a:t>
             </a:fld>
             <a:endParaRPr lang="de-CH"/>
           </a:p>
@@ -2868,7 +2868,7 @@
           <a:p>
             <a:fld id="{1EB7E68A-82D4-48DE-8E56-2B7A57165DE4}" type="datetime11">
               <a:rPr lang="de-CH" smtClean="0"/>
-              <a:t>21:56:07</a:t>
+              <a:t>13:34:33</a:t>
             </a:fld>
             <a:endParaRPr lang="de-CH"/>
           </a:p>
@@ -3145,7 +3145,7 @@
           <a:p>
             <a:fld id="{B3DA7DDC-CC93-40DB-A351-BB8B3DF9C8BA}" type="datetime11">
               <a:rPr lang="de-CH" smtClean="0"/>
-              <a:t>21:56:07</a:t>
+              <a:t>13:34:33</a:t>
             </a:fld>
             <a:endParaRPr lang="de-CH"/>
           </a:p>
@@ -3398,7 +3398,7 @@
           <a:p>
             <a:fld id="{63EA5318-DA75-41D5-90C2-3F578F500F14}" type="datetime11">
               <a:rPr lang="de-CH" smtClean="0"/>
-              <a:t>21:56:07</a:t>
+              <a:t>13:34:33</a:t>
             </a:fld>
             <a:endParaRPr lang="de-CH"/>
           </a:p>
@@ -3611,7 +3611,7 @@
           <a:p>
             <a:fld id="{F787190C-EF03-440D-BA19-7A2E581513FD}" type="datetime11">
               <a:rPr lang="de-CH" smtClean="0"/>
-              <a:t>21:56:07</a:t>
+              <a:t>13:34:33</a:t>
             </a:fld>
             <a:endParaRPr lang="de-CH"/>
           </a:p>
@@ -4957,12 +4957,6 @@
               </a:rPr>
               <a:t>Mit dem Raspberry Pi soll eine Wetterstation erstellt werden, welche Wetterdaten ermittelt und diese auf einem Display darstellt. Zusätzlich sollen die Wetterdaten über eine Web-Schnittstelle abrufbar sein.</a:t>
             </a:r>
-            <a:endParaRPr lang="de-DE" dirty="0" smtClean="0">
-              <a:solidFill>
-                <a:srgbClr val="474747"/>
-              </a:solidFill>
-              <a:latin typeface="Segoe UI Light" panose="020B0502040204020203" pitchFamily="34" charset="0"/>
-            </a:endParaRPr>
           </a:p>
           <a:p>
             <a:pPr marL="0" indent="0">
@@ -5147,8 +5141,8 @@
         </p:nvSpPr>
         <p:spPr>
           <a:xfrm>
-            <a:off x="896399" y="1505511"/>
-            <a:ext cx="10759794" cy="5181039"/>
+            <a:off x="896399" y="1398656"/>
+            <a:ext cx="10759794" cy="5347583"/>
           </a:xfrm>
         </p:spPr>
         <p:txBody>
@@ -5164,13 +5158,167 @@
               <a:buNone/>
             </a:pPr>
             <a:r>
-              <a:rPr lang="de-CH" dirty="0" smtClean="0">
+              <a:rPr lang="de-DE" sz="3200" b="1" dirty="0" smtClean="0">
                 <a:solidFill>
                   <a:srgbClr val="474747"/>
                 </a:solidFill>
                 <a:latin typeface="Segoe UI Light" panose="020B0502040204020203" pitchFamily="34" charset="0"/>
               </a:rPr>
-              <a:t>Anforderungen…</a:t>
+              <a:t>Funktionale Anforderungen</a:t>
+            </a:r>
+          </a:p>
+          <a:p>
+            <a:pPr>
+              <a:buClr>
+                <a:srgbClr val="AD0000"/>
+              </a:buClr>
+              <a:buFont typeface="Wingdings" panose="05000000000000000000" pitchFamily="2" charset="2"/>
+              <a:buChar char="§"/>
+            </a:pPr>
+            <a:r>
+              <a:rPr lang="de-DE" dirty="0" smtClean="0">
+                <a:solidFill>
+                  <a:srgbClr val="474747"/>
+                </a:solidFill>
+                <a:latin typeface="Segoe UI Light" panose="020B0502040204020203" pitchFamily="34" charset="0"/>
+              </a:rPr>
+              <a:t>Wetterdaten (Luftdruck, Temperatur, Feuchtigkeit, Lichtstärke) mittels Sensoren ermitteln</a:t>
+            </a:r>
+          </a:p>
+          <a:p>
+            <a:pPr>
+              <a:buClr>
+                <a:srgbClr val="AD0000"/>
+              </a:buClr>
+              <a:buFont typeface="Wingdings" panose="05000000000000000000" pitchFamily="2" charset="2"/>
+              <a:buChar char="§"/>
+            </a:pPr>
+            <a:r>
+              <a:rPr lang="de-DE" dirty="0" smtClean="0">
+                <a:solidFill>
+                  <a:srgbClr val="474747"/>
+                </a:solidFill>
+                <a:latin typeface="Segoe UI Light" panose="020B0502040204020203" pitchFamily="34" charset="0"/>
+              </a:rPr>
+              <a:t>Wetterdaten auf einem LCD-Display anzeigen</a:t>
+            </a:r>
+          </a:p>
+          <a:p>
+            <a:pPr>
+              <a:buClr>
+                <a:srgbClr val="AD0000"/>
+              </a:buClr>
+              <a:buFont typeface="Wingdings" panose="05000000000000000000" pitchFamily="2" charset="2"/>
+              <a:buChar char="§"/>
+            </a:pPr>
+            <a:r>
+              <a:rPr lang="de-DE" dirty="0" smtClean="0">
+                <a:solidFill>
+                  <a:srgbClr val="474747"/>
+                </a:solidFill>
+                <a:latin typeface="Segoe UI Light" panose="020B0502040204020203" pitchFamily="34" charset="0"/>
+              </a:rPr>
+              <a:t>Wetterdaten persistent in einer Datenbank speichern</a:t>
+            </a:r>
+          </a:p>
+          <a:p>
+            <a:pPr>
+              <a:buClr>
+                <a:srgbClr val="AD0000"/>
+              </a:buClr>
+              <a:buFont typeface="Wingdings" panose="05000000000000000000" pitchFamily="2" charset="2"/>
+              <a:buChar char="§"/>
+            </a:pPr>
+            <a:r>
+              <a:rPr lang="de-DE" dirty="0" smtClean="0">
+                <a:solidFill>
+                  <a:srgbClr val="474747"/>
+                </a:solidFill>
+                <a:latin typeface="Segoe UI Light" panose="020B0502040204020203" pitchFamily="34" charset="0"/>
+              </a:rPr>
+              <a:t>Wetterdaten über eine Web-Schnittstelle </a:t>
+            </a:r>
+            <a:r>
+              <a:rPr lang="de-DE" smtClean="0">
+                <a:solidFill>
+                  <a:srgbClr val="474747"/>
+                </a:solidFill>
+                <a:latin typeface="Segoe UI Light" panose="020B0502040204020203" pitchFamily="34" charset="0"/>
+              </a:rPr>
+              <a:t>verfügbar machen</a:t>
+            </a:r>
+            <a:endParaRPr lang="de-DE" dirty="0" smtClean="0">
+              <a:solidFill>
+                <a:srgbClr val="474747"/>
+              </a:solidFill>
+              <a:latin typeface="Segoe UI Light" panose="020B0502040204020203" pitchFamily="34" charset="0"/>
+            </a:endParaRPr>
+          </a:p>
+          <a:p>
+            <a:pPr marL="0" indent="0">
+              <a:buClr>
+                <a:srgbClr val="AD0000"/>
+              </a:buClr>
+              <a:buNone/>
+            </a:pPr>
+            <a:endParaRPr lang="de-DE" dirty="0" smtClean="0">
+              <a:solidFill>
+                <a:srgbClr val="474747"/>
+              </a:solidFill>
+              <a:latin typeface="Segoe UI Light" panose="020B0502040204020203" pitchFamily="34" charset="0"/>
+            </a:endParaRPr>
+          </a:p>
+          <a:p>
+            <a:pPr marL="0" indent="0">
+              <a:buClr>
+                <a:srgbClr val="AD0000"/>
+              </a:buClr>
+              <a:buNone/>
+            </a:pPr>
+            <a:r>
+              <a:rPr lang="de-DE" sz="3200" b="1" dirty="0" smtClean="0">
+                <a:solidFill>
+                  <a:srgbClr val="474747"/>
+                </a:solidFill>
+                <a:latin typeface="Segoe UI Light" panose="020B0502040204020203" pitchFamily="34" charset="0"/>
+              </a:rPr>
+              <a:t>Nicht funktionale Anforderungen</a:t>
+            </a:r>
+          </a:p>
+          <a:p>
+            <a:pPr>
+              <a:buClr>
+                <a:srgbClr val="AD0000"/>
+              </a:buClr>
+              <a:buFont typeface="Wingdings" panose="05000000000000000000" pitchFamily="2" charset="2"/>
+              <a:buChar char="§"/>
+            </a:pPr>
+            <a:r>
+              <a:rPr lang="de-DE" dirty="0" smtClean="0">
+                <a:solidFill>
+                  <a:srgbClr val="474747"/>
+                </a:solidFill>
+                <a:latin typeface="Segoe UI Light" panose="020B0502040204020203" pitchFamily="34" charset="0"/>
+              </a:rPr>
+              <a:t>Projekt muss am 15.12.14 abgeschlossen sein</a:t>
+            </a:r>
+          </a:p>
+          <a:p>
+            <a:pPr>
+              <a:buClr>
+                <a:srgbClr val="AD0000"/>
+              </a:buClr>
+              <a:buFont typeface="Wingdings" panose="05000000000000000000" pitchFamily="2" charset="2"/>
+              <a:buChar char="§"/>
+            </a:pPr>
+            <a:r>
+              <a:rPr lang="de-DE" dirty="0" smtClean="0">
+                <a:solidFill>
+                  <a:srgbClr val="474747"/>
+                </a:solidFill>
+                <a:latin typeface="Segoe UI Light" panose="020B0502040204020203" pitchFamily="34" charset="0"/>
+              </a:rPr>
+              <a:t>Signal- und Datenverarbeitung auf dem Raspberry Pi</a:t>
             </a:r>
             <a:endParaRPr lang="de-DE" dirty="0">
               <a:solidFill>
@@ -5600,95 +5748,7 @@
           <a:bodyPr/>
           <a:lstStyle/>
           <a:p>
-            <a:r>
-              <a:rPr lang="de-CH" b="1" dirty="0" smtClean="0">
-                <a:solidFill>
-                  <a:srgbClr val="474747"/>
-                </a:solidFill>
-                <a:latin typeface="Segoe UI Light" panose="020B0502040204020203" pitchFamily="34" charset="0"/>
-              </a:rPr>
-              <a:t>Live-Demo</a:t>
-            </a:r>
             <a:endParaRPr lang="de-CH" b="1" dirty="0">
-              <a:solidFill>
-                <a:srgbClr val="474747"/>
-              </a:solidFill>
-              <a:latin typeface="Segoe UI Light" panose="020B0502040204020203" pitchFamily="34" charset="0"/>
-            </a:endParaRPr>
-          </a:p>
-        </p:txBody>
-      </p:sp>
-      <p:sp>
-        <p:nvSpPr>
-          <p:cNvPr id="3" name="Inhaltsplatzhalter 2"/>
-          <p:cNvSpPr>
-            <a:spLocks noGrp="1"/>
-          </p:cNvSpPr>
-          <p:nvPr>
-            <p:ph idx="1"/>
-          </p:nvPr>
-        </p:nvSpPr>
-        <p:spPr>
-          <a:xfrm>
-            <a:off x="896399" y="1716528"/>
-            <a:ext cx="10759794" cy="3840213"/>
-          </a:xfrm>
-        </p:spPr>
-        <p:txBody>
-          <a:bodyPr>
-            <a:normAutofit/>
-          </a:bodyPr>
-          <a:lstStyle/>
-          <a:p>
-            <a:pPr marL="0" indent="0" algn="ctr">
-              <a:buClr>
-                <a:srgbClr val="AD0000"/>
-              </a:buClr>
-              <a:buNone/>
-            </a:pPr>
-            <a:endParaRPr lang="de-CH" sz="2400" dirty="0" smtClean="0">
-              <a:solidFill>
-                <a:srgbClr val="474747"/>
-              </a:solidFill>
-              <a:latin typeface="Segoe UI Light" panose="020B0502040204020203" pitchFamily="34" charset="0"/>
-            </a:endParaRPr>
-          </a:p>
-          <a:p>
-            <a:pPr marL="0" indent="0" algn="ctr">
-              <a:buClr>
-                <a:srgbClr val="AD0000"/>
-              </a:buClr>
-              <a:buNone/>
-            </a:pPr>
-            <a:endParaRPr lang="de-CH" sz="2400" dirty="0">
-              <a:solidFill>
-                <a:srgbClr val="474747"/>
-              </a:solidFill>
-              <a:latin typeface="Segoe UI Light" panose="020B0502040204020203" pitchFamily="34" charset="0"/>
-            </a:endParaRPr>
-          </a:p>
-          <a:p>
-            <a:pPr marL="0" indent="0" algn="ctr">
-              <a:buClr>
-                <a:srgbClr val="AD0000"/>
-              </a:buClr>
-              <a:buNone/>
-            </a:pPr>
-            <a:endParaRPr lang="de-CH" sz="2400" dirty="0" smtClean="0">
-              <a:solidFill>
-                <a:srgbClr val="474747"/>
-              </a:solidFill>
-              <a:latin typeface="Segoe UI Light" panose="020B0502040204020203" pitchFamily="34" charset="0"/>
-            </a:endParaRPr>
-          </a:p>
-          <a:p>
-            <a:pPr marL="0" indent="0" algn="ctr">
-              <a:buClr>
-                <a:srgbClr val="AD0000"/>
-              </a:buClr>
-              <a:buNone/>
-            </a:pPr>
-            <a:endParaRPr lang="de-CH" sz="2400" dirty="0">
               <a:solidFill>
                 <a:srgbClr val="474747"/>
               </a:solidFill>
@@ -5738,6 +5798,217 @@
           </a:extLst>
         </p:spPr>
       </p:pic>
+      <p:sp>
+        <p:nvSpPr>
+          <p:cNvPr id="5" name="Inhaltsplatzhalter 2"/>
+          <p:cNvSpPr txBox="1">
+            <a:spLocks/>
+          </p:cNvSpPr>
+          <p:nvPr/>
+        </p:nvSpPr>
+        <p:spPr>
+          <a:xfrm>
+            <a:off x="896399" y="1505511"/>
+            <a:ext cx="10759794" cy="4366969"/>
+          </a:xfrm>
+          <a:prstGeom prst="rect">
+            <a:avLst/>
+          </a:prstGeom>
+        </p:spPr>
+        <p:txBody>
+          <a:bodyPr vert="horz" lIns="91440" tIns="45720" rIns="91440" bIns="45720" rtlCol="0" anchor="ctr" anchorCtr="0">
+            <a:normAutofit/>
+          </a:bodyPr>
+          <a:lstStyle>
+            <a:lvl1pPr marL="228600" indent="-228600" algn="l" defTabSz="914400" rtl="0" eaLnBrk="1" latinLnBrk="0" hangingPunct="1">
+              <a:lnSpc>
+                <a:spcPct val="90000"/>
+              </a:lnSpc>
+              <a:spcBef>
+                <a:spcPts val="1000"/>
+              </a:spcBef>
+              <a:buFont typeface="Arial" panose="020B0604020202020204" pitchFamily="34" charset="0"/>
+              <a:buChar char="•"/>
+              <a:defRPr sz="2800" kern="1200">
+                <a:solidFill>
+                  <a:schemeClr val="tx1"/>
+                </a:solidFill>
+                <a:latin typeface="+mn-lt"/>
+                <a:ea typeface="+mn-ea"/>
+                <a:cs typeface="+mn-cs"/>
+              </a:defRPr>
+            </a:lvl1pPr>
+            <a:lvl2pPr marL="685800" indent="-228600" algn="l" defTabSz="914400" rtl="0" eaLnBrk="1" latinLnBrk="0" hangingPunct="1">
+              <a:lnSpc>
+                <a:spcPct val="90000"/>
+              </a:lnSpc>
+              <a:spcBef>
+                <a:spcPts val="500"/>
+              </a:spcBef>
+              <a:buFont typeface="Arial" panose="020B0604020202020204" pitchFamily="34" charset="0"/>
+              <a:buChar char="•"/>
+              <a:defRPr sz="2400" kern="1200">
+                <a:solidFill>
+                  <a:schemeClr val="tx1"/>
+                </a:solidFill>
+                <a:latin typeface="+mn-lt"/>
+                <a:ea typeface="+mn-ea"/>
+                <a:cs typeface="+mn-cs"/>
+              </a:defRPr>
+            </a:lvl2pPr>
+            <a:lvl3pPr marL="1143000" indent="-228600" algn="l" defTabSz="914400" rtl="0" eaLnBrk="1" latinLnBrk="0" hangingPunct="1">
+              <a:lnSpc>
+                <a:spcPct val="90000"/>
+              </a:lnSpc>
+              <a:spcBef>
+                <a:spcPts val="500"/>
+              </a:spcBef>
+              <a:buFont typeface="Arial" panose="020B0604020202020204" pitchFamily="34" charset="0"/>
+              <a:buChar char="•"/>
+              <a:defRPr sz="2000" kern="1200">
+                <a:solidFill>
+                  <a:schemeClr val="tx1"/>
+                </a:solidFill>
+                <a:latin typeface="+mn-lt"/>
+                <a:ea typeface="+mn-ea"/>
+                <a:cs typeface="+mn-cs"/>
+              </a:defRPr>
+            </a:lvl3pPr>
+            <a:lvl4pPr marL="1600200" indent="-228600" algn="l" defTabSz="914400" rtl="0" eaLnBrk="1" latinLnBrk="0" hangingPunct="1">
+              <a:lnSpc>
+                <a:spcPct val="90000"/>
+              </a:lnSpc>
+              <a:spcBef>
+                <a:spcPts val="500"/>
+              </a:spcBef>
+              <a:buFont typeface="Arial" panose="020B0604020202020204" pitchFamily="34" charset="0"/>
+              <a:buChar char="•"/>
+              <a:defRPr sz="1800" kern="1200">
+                <a:solidFill>
+                  <a:schemeClr val="tx1"/>
+                </a:solidFill>
+                <a:latin typeface="+mn-lt"/>
+                <a:ea typeface="+mn-ea"/>
+                <a:cs typeface="+mn-cs"/>
+              </a:defRPr>
+            </a:lvl4pPr>
+            <a:lvl5pPr marL="2057400" indent="-228600" algn="l" defTabSz="914400" rtl="0" eaLnBrk="1" latinLnBrk="0" hangingPunct="1">
+              <a:lnSpc>
+                <a:spcPct val="90000"/>
+              </a:lnSpc>
+              <a:spcBef>
+                <a:spcPts val="500"/>
+              </a:spcBef>
+              <a:buFont typeface="Arial" panose="020B0604020202020204" pitchFamily="34" charset="0"/>
+              <a:buChar char="•"/>
+              <a:defRPr sz="1800" kern="1200">
+                <a:solidFill>
+                  <a:schemeClr val="tx1"/>
+                </a:solidFill>
+                <a:latin typeface="+mn-lt"/>
+                <a:ea typeface="+mn-ea"/>
+                <a:cs typeface="+mn-cs"/>
+              </a:defRPr>
+            </a:lvl5pPr>
+            <a:lvl6pPr marL="2514600" indent="-228600" algn="l" defTabSz="914400" rtl="0" eaLnBrk="1" latinLnBrk="0" hangingPunct="1">
+              <a:lnSpc>
+                <a:spcPct val="90000"/>
+              </a:lnSpc>
+              <a:spcBef>
+                <a:spcPts val="500"/>
+              </a:spcBef>
+              <a:buFont typeface="Arial" panose="020B0604020202020204" pitchFamily="34" charset="0"/>
+              <a:buChar char="•"/>
+              <a:defRPr sz="1800" kern="1200">
+                <a:solidFill>
+                  <a:schemeClr val="tx1"/>
+                </a:solidFill>
+                <a:latin typeface="+mn-lt"/>
+                <a:ea typeface="+mn-ea"/>
+                <a:cs typeface="+mn-cs"/>
+              </a:defRPr>
+            </a:lvl6pPr>
+            <a:lvl7pPr marL="2971800" indent="-228600" algn="l" defTabSz="914400" rtl="0" eaLnBrk="1" latinLnBrk="0" hangingPunct="1">
+              <a:lnSpc>
+                <a:spcPct val="90000"/>
+              </a:lnSpc>
+              <a:spcBef>
+                <a:spcPts val="500"/>
+              </a:spcBef>
+              <a:buFont typeface="Arial" panose="020B0604020202020204" pitchFamily="34" charset="0"/>
+              <a:buChar char="•"/>
+              <a:defRPr sz="1800" kern="1200">
+                <a:solidFill>
+                  <a:schemeClr val="tx1"/>
+                </a:solidFill>
+                <a:latin typeface="+mn-lt"/>
+                <a:ea typeface="+mn-ea"/>
+                <a:cs typeface="+mn-cs"/>
+              </a:defRPr>
+            </a:lvl7pPr>
+            <a:lvl8pPr marL="3429000" indent="-228600" algn="l" defTabSz="914400" rtl="0" eaLnBrk="1" latinLnBrk="0" hangingPunct="1">
+              <a:lnSpc>
+                <a:spcPct val="90000"/>
+              </a:lnSpc>
+              <a:spcBef>
+                <a:spcPts val="500"/>
+              </a:spcBef>
+              <a:buFont typeface="Arial" panose="020B0604020202020204" pitchFamily="34" charset="0"/>
+              <a:buChar char="•"/>
+              <a:defRPr sz="1800" kern="1200">
+                <a:solidFill>
+                  <a:schemeClr val="tx1"/>
+                </a:solidFill>
+                <a:latin typeface="+mn-lt"/>
+                <a:ea typeface="+mn-ea"/>
+                <a:cs typeface="+mn-cs"/>
+              </a:defRPr>
+            </a:lvl8pPr>
+            <a:lvl9pPr marL="3886200" indent="-228600" algn="l" defTabSz="914400" rtl="0" eaLnBrk="1" latinLnBrk="0" hangingPunct="1">
+              <a:lnSpc>
+                <a:spcPct val="90000"/>
+              </a:lnSpc>
+              <a:spcBef>
+                <a:spcPts val="500"/>
+              </a:spcBef>
+              <a:buFont typeface="Arial" panose="020B0604020202020204" pitchFamily="34" charset="0"/>
+              <a:buChar char="•"/>
+              <a:defRPr sz="1800" kern="1200">
+                <a:solidFill>
+                  <a:schemeClr val="tx1"/>
+                </a:solidFill>
+                <a:latin typeface="+mn-lt"/>
+                <a:ea typeface="+mn-ea"/>
+                <a:cs typeface="+mn-cs"/>
+              </a:defRPr>
+            </a:lvl9pPr>
+          </a:lstStyle>
+          <a:p>
+            <a:pPr marL="0" indent="0" algn="ctr">
+              <a:buClr>
+                <a:srgbClr val="AD0000"/>
+              </a:buClr>
+              <a:buFont typeface="Arial" panose="020B0604020202020204" pitchFamily="34" charset="0"/>
+              <a:buNone/>
+            </a:pPr>
+            <a:r>
+              <a:rPr lang="de-CH" sz="9600" b="1" dirty="0" smtClean="0">
+                <a:solidFill>
+                  <a:srgbClr val="474747"/>
+                </a:solidFill>
+                <a:latin typeface="Segoe UI Light" panose="020B0502040204020203" pitchFamily="34" charset="0"/>
+              </a:rPr>
+              <a:t>Live Demo</a:t>
+            </a:r>
+            <a:endParaRPr lang="de-DE" sz="9600" b="1" dirty="0">
+              <a:solidFill>
+                <a:srgbClr val="474747"/>
+              </a:solidFill>
+              <a:latin typeface="Segoe UI Light" panose="020B0502040204020203" pitchFamily="34" charset="0"/>
+            </a:endParaRPr>
+          </a:p>
+        </p:txBody>
+      </p:sp>
     </p:spTree>
     <p:extLst>
       <p:ext uri="{BB962C8B-B14F-4D97-AF65-F5344CB8AC3E}">

--- a/docs/Präsentation-Wetterstation.pptx
+++ b/docs/Präsentation-Wetterstation.pptx
@@ -5,7 +5,7 @@
     <p:sldMasterId id="2147483648" r:id="rId1"/>
   </p:sldMasterIdLst>
   <p:notesMasterIdLst>
-    <p:notesMasterId r:id="rId10"/>
+    <p:notesMasterId r:id="rId13"/>
   </p:notesMasterIdLst>
   <p:sldIdLst>
     <p:sldId id="257" r:id="rId2"/>
@@ -13,9 +13,12 @@
     <p:sldId id="278" r:id="rId4"/>
     <p:sldId id="287" r:id="rId5"/>
     <p:sldId id="283" r:id="rId6"/>
-    <p:sldId id="284" r:id="rId7"/>
-    <p:sldId id="285" r:id="rId8"/>
-    <p:sldId id="265" r:id="rId9"/>
+    <p:sldId id="289" r:id="rId7"/>
+    <p:sldId id="284" r:id="rId8"/>
+    <p:sldId id="288" r:id="rId9"/>
+    <p:sldId id="290" r:id="rId10"/>
+    <p:sldId id="285" r:id="rId11"/>
+    <p:sldId id="265" r:id="rId12"/>
   </p:sldIdLst>
   <p:sldSz cx="12192000" cy="6858000"/>
   <p:notesSz cx="6858000" cy="9144000"/>
@@ -219,7 +222,7 @@
           <a:p>
             <a:fld id="{FF2C117B-C0F5-422A-BB80-38E90B65B144}" type="datetimeFigureOut">
               <a:rPr lang="de-CH" smtClean="0"/>
-              <a:t>07.12.2014</a:t>
+              <a:t>14.12.2014</a:t>
             </a:fld>
             <a:endParaRPr lang="de-CH"/>
           </a:p>
@@ -571,6 +574,174 @@
 </p:notes>
 </file>
 
+<file path=ppt/notesSlides/notesSlide10.xml><?xml version="1.0" encoding="utf-8"?>
+<p:notes xmlns:a="http://schemas.openxmlformats.org/drawingml/2006/main" xmlns:r="http://schemas.openxmlformats.org/officeDocument/2006/relationships" xmlns:p="http://schemas.openxmlformats.org/presentationml/2006/main">
+  <p:cSld>
+    <p:spTree>
+      <p:nvGrpSpPr>
+        <p:cNvPr id="1" name=""/>
+        <p:cNvGrpSpPr/>
+        <p:nvPr/>
+      </p:nvGrpSpPr>
+      <p:grpSpPr>
+        <a:xfrm>
+          <a:off x="0" y="0"/>
+          <a:ext cx="0" cy="0"/>
+          <a:chOff x="0" y="0"/>
+          <a:chExt cx="0" cy="0"/>
+        </a:xfrm>
+      </p:grpSpPr>
+      <p:sp>
+        <p:nvSpPr>
+          <p:cNvPr id="2" name="Folienbildplatzhalter 1"/>
+          <p:cNvSpPr>
+            <a:spLocks noGrp="1" noRot="1" noChangeAspect="1"/>
+          </p:cNvSpPr>
+          <p:nvPr>
+            <p:ph type="sldImg"/>
+          </p:nvPr>
+        </p:nvSpPr>
+        <p:spPr/>
+      </p:sp>
+      <p:sp>
+        <p:nvSpPr>
+          <p:cNvPr id="3" name="Notizenplatzhalter 2"/>
+          <p:cNvSpPr>
+            <a:spLocks noGrp="1"/>
+          </p:cNvSpPr>
+          <p:nvPr>
+            <p:ph type="body" idx="1"/>
+          </p:nvPr>
+        </p:nvSpPr>
+        <p:spPr/>
+        <p:txBody>
+          <a:bodyPr/>
+          <a:lstStyle/>
+          <a:p>
+            <a:endParaRPr lang="de-CH" dirty="0"/>
+          </a:p>
+        </p:txBody>
+      </p:sp>
+      <p:sp>
+        <p:nvSpPr>
+          <p:cNvPr id="4" name="Foliennummernplatzhalter 3"/>
+          <p:cNvSpPr>
+            <a:spLocks noGrp="1"/>
+          </p:cNvSpPr>
+          <p:nvPr>
+            <p:ph type="sldNum" sz="quarter" idx="10"/>
+          </p:nvPr>
+        </p:nvSpPr>
+        <p:spPr/>
+        <p:txBody>
+          <a:bodyPr/>
+          <a:lstStyle/>
+          <a:p>
+            <a:fld id="{7DFEE447-54DD-449C-962C-5B79DF3F6411}" type="slidenum">
+              <a:rPr lang="de-CH" smtClean="0"/>
+              <a:t>10</a:t>
+            </a:fld>
+            <a:endParaRPr lang="de-CH" dirty="0"/>
+          </a:p>
+        </p:txBody>
+      </p:sp>
+    </p:spTree>
+    <p:extLst>
+      <p:ext uri="{BB962C8B-B14F-4D97-AF65-F5344CB8AC3E}">
+        <p14:creationId xmlns:p14="http://schemas.microsoft.com/office/powerpoint/2010/main" val="3349251966"/>
+      </p:ext>
+    </p:extLst>
+  </p:cSld>
+  <p:clrMapOvr>
+    <a:masterClrMapping/>
+  </p:clrMapOvr>
+</p:notes>
+</file>
+
+<file path=ppt/notesSlides/notesSlide11.xml><?xml version="1.0" encoding="utf-8"?>
+<p:notes xmlns:a="http://schemas.openxmlformats.org/drawingml/2006/main" xmlns:r="http://schemas.openxmlformats.org/officeDocument/2006/relationships" xmlns:p="http://schemas.openxmlformats.org/presentationml/2006/main">
+  <p:cSld>
+    <p:spTree>
+      <p:nvGrpSpPr>
+        <p:cNvPr id="1" name=""/>
+        <p:cNvGrpSpPr/>
+        <p:nvPr/>
+      </p:nvGrpSpPr>
+      <p:grpSpPr>
+        <a:xfrm>
+          <a:off x="0" y="0"/>
+          <a:ext cx="0" cy="0"/>
+          <a:chOff x="0" y="0"/>
+          <a:chExt cx="0" cy="0"/>
+        </a:xfrm>
+      </p:grpSpPr>
+      <p:sp>
+        <p:nvSpPr>
+          <p:cNvPr id="2" name="Folienbildplatzhalter 1"/>
+          <p:cNvSpPr>
+            <a:spLocks noGrp="1" noRot="1" noChangeAspect="1"/>
+          </p:cNvSpPr>
+          <p:nvPr>
+            <p:ph type="sldImg"/>
+          </p:nvPr>
+        </p:nvSpPr>
+        <p:spPr/>
+      </p:sp>
+      <p:sp>
+        <p:nvSpPr>
+          <p:cNvPr id="3" name="Notizenplatzhalter 2"/>
+          <p:cNvSpPr>
+            <a:spLocks noGrp="1"/>
+          </p:cNvSpPr>
+          <p:nvPr>
+            <p:ph type="body" idx="1"/>
+          </p:nvPr>
+        </p:nvSpPr>
+        <p:spPr/>
+        <p:txBody>
+          <a:bodyPr/>
+          <a:lstStyle/>
+          <a:p>
+            <a:endParaRPr lang="de-CH" dirty="0"/>
+          </a:p>
+        </p:txBody>
+      </p:sp>
+      <p:sp>
+        <p:nvSpPr>
+          <p:cNvPr id="4" name="Foliennummernplatzhalter 3"/>
+          <p:cNvSpPr>
+            <a:spLocks noGrp="1"/>
+          </p:cNvSpPr>
+          <p:nvPr>
+            <p:ph type="sldNum" sz="quarter" idx="10"/>
+          </p:nvPr>
+        </p:nvSpPr>
+        <p:spPr/>
+        <p:txBody>
+          <a:bodyPr/>
+          <a:lstStyle/>
+          <a:p>
+            <a:fld id="{7DFEE447-54DD-449C-962C-5B79DF3F6411}" type="slidenum">
+              <a:rPr lang="de-CH" smtClean="0"/>
+              <a:t>11</a:t>
+            </a:fld>
+            <a:endParaRPr lang="de-CH"/>
+          </a:p>
+        </p:txBody>
+      </p:sp>
+    </p:spTree>
+    <p:extLst>
+      <p:ext uri="{BB962C8B-B14F-4D97-AF65-F5344CB8AC3E}">
+        <p14:creationId xmlns:p14="http://schemas.microsoft.com/office/powerpoint/2010/main" val="2395800088"/>
+      </p:ext>
+    </p:extLst>
+  </p:cSld>
+  <p:clrMapOvr>
+    <a:masterClrMapping/>
+  </p:clrMapOvr>
+</p:notes>
+</file>
+
 <file path=ppt/notesSlides/notesSlide2.xml><?xml version="1.0" encoding="utf-8"?>
 <p:notes xmlns:a="http://schemas.openxmlformats.org/drawingml/2006/main" xmlns:r="http://schemas.openxmlformats.org/officeDocument/2006/relationships" xmlns:p="http://schemas.openxmlformats.org/presentationml/2006/main">
   <p:cSld>
@@ -981,7 +1152,7 @@
     </p:spTree>
     <p:extLst>
       <p:ext uri="{BB962C8B-B14F-4D97-AF65-F5344CB8AC3E}">
-        <p14:creationId xmlns:p14="http://schemas.microsoft.com/office/powerpoint/2010/main" val="3952221104"/>
+        <p14:creationId xmlns:p14="http://schemas.microsoft.com/office/powerpoint/2010/main" val="3452349833"/>
       </p:ext>
     </p:extLst>
   </p:cSld>
@@ -1065,7 +1236,7 @@
     </p:spTree>
     <p:extLst>
       <p:ext uri="{BB962C8B-B14F-4D97-AF65-F5344CB8AC3E}">
-        <p14:creationId xmlns:p14="http://schemas.microsoft.com/office/powerpoint/2010/main" val="3349251966"/>
+        <p14:creationId xmlns:p14="http://schemas.microsoft.com/office/powerpoint/2010/main" val="3952221104"/>
       </p:ext>
     </p:extLst>
   </p:cSld>
@@ -1142,14 +1313,98 @@
               <a:rPr lang="de-CH" smtClean="0"/>
               <a:t>8</a:t>
             </a:fld>
-            <a:endParaRPr lang="de-CH"/>
+            <a:endParaRPr lang="de-CH" dirty="0"/>
           </a:p>
         </p:txBody>
       </p:sp>
     </p:spTree>
     <p:extLst>
       <p:ext uri="{BB962C8B-B14F-4D97-AF65-F5344CB8AC3E}">
-        <p14:creationId xmlns:p14="http://schemas.microsoft.com/office/powerpoint/2010/main" val="2395800088"/>
+        <p14:creationId xmlns:p14="http://schemas.microsoft.com/office/powerpoint/2010/main" val="3849930687"/>
+      </p:ext>
+    </p:extLst>
+  </p:cSld>
+  <p:clrMapOvr>
+    <a:masterClrMapping/>
+  </p:clrMapOvr>
+</p:notes>
+</file>
+
+<file path=ppt/notesSlides/notesSlide9.xml><?xml version="1.0" encoding="utf-8"?>
+<p:notes xmlns:a="http://schemas.openxmlformats.org/drawingml/2006/main" xmlns:r="http://schemas.openxmlformats.org/officeDocument/2006/relationships" xmlns:p="http://schemas.openxmlformats.org/presentationml/2006/main">
+  <p:cSld>
+    <p:spTree>
+      <p:nvGrpSpPr>
+        <p:cNvPr id="1" name=""/>
+        <p:cNvGrpSpPr/>
+        <p:nvPr/>
+      </p:nvGrpSpPr>
+      <p:grpSpPr>
+        <a:xfrm>
+          <a:off x="0" y="0"/>
+          <a:ext cx="0" cy="0"/>
+          <a:chOff x="0" y="0"/>
+          <a:chExt cx="0" cy="0"/>
+        </a:xfrm>
+      </p:grpSpPr>
+      <p:sp>
+        <p:nvSpPr>
+          <p:cNvPr id="2" name="Folienbildplatzhalter 1"/>
+          <p:cNvSpPr>
+            <a:spLocks noGrp="1" noRot="1" noChangeAspect="1"/>
+          </p:cNvSpPr>
+          <p:nvPr>
+            <p:ph type="sldImg"/>
+          </p:nvPr>
+        </p:nvSpPr>
+        <p:spPr/>
+      </p:sp>
+      <p:sp>
+        <p:nvSpPr>
+          <p:cNvPr id="3" name="Notizenplatzhalter 2"/>
+          <p:cNvSpPr>
+            <a:spLocks noGrp="1"/>
+          </p:cNvSpPr>
+          <p:nvPr>
+            <p:ph type="body" idx="1"/>
+          </p:nvPr>
+        </p:nvSpPr>
+        <p:spPr/>
+        <p:txBody>
+          <a:bodyPr/>
+          <a:lstStyle/>
+          <a:p>
+            <a:endParaRPr lang="de-CH" dirty="0"/>
+          </a:p>
+        </p:txBody>
+      </p:sp>
+      <p:sp>
+        <p:nvSpPr>
+          <p:cNvPr id="4" name="Foliennummernplatzhalter 3"/>
+          <p:cNvSpPr>
+            <a:spLocks noGrp="1"/>
+          </p:cNvSpPr>
+          <p:nvPr>
+            <p:ph type="sldNum" sz="quarter" idx="10"/>
+          </p:nvPr>
+        </p:nvSpPr>
+        <p:spPr/>
+        <p:txBody>
+          <a:bodyPr/>
+          <a:lstStyle/>
+          <a:p>
+            <a:fld id="{7DFEE447-54DD-449C-962C-5B79DF3F6411}" type="slidenum">
+              <a:rPr lang="de-CH" smtClean="0"/>
+              <a:t>9</a:t>
+            </a:fld>
+            <a:endParaRPr lang="de-CH" dirty="0"/>
+          </a:p>
+        </p:txBody>
+      </p:sp>
+    </p:spTree>
+    <p:extLst>
+      <p:ext uri="{BB962C8B-B14F-4D97-AF65-F5344CB8AC3E}">
+        <p14:creationId xmlns:p14="http://schemas.microsoft.com/office/powerpoint/2010/main" val="4069151673"/>
       </p:ext>
     </p:extLst>
   </p:cSld>
@@ -1290,7 +1545,7 @@
           <a:p>
             <a:fld id="{615F3A13-CF50-4394-BDBC-4B31C6F5A1FA}" type="datetime11">
               <a:rPr lang="de-CH" smtClean="0"/>
-              <a:t>13:34:33</a:t>
+              <a:t>22:56:49</a:t>
             </a:fld>
             <a:endParaRPr lang="de-CH"/>
           </a:p>
@@ -1460,7 +1715,7 @@
           <a:p>
             <a:fld id="{BA450BD8-0AB8-4761-B1C8-5DD6AD17AD71}" type="datetime11">
               <a:rPr lang="de-CH" smtClean="0"/>
-              <a:t>13:34:33</a:t>
+              <a:t>22:56:49</a:t>
             </a:fld>
             <a:endParaRPr lang="de-CH"/>
           </a:p>
@@ -1640,7 +1895,7 @@
           <a:p>
             <a:fld id="{45DEE59A-24EE-429E-876A-CD73BDA9ADB3}" type="datetime11">
               <a:rPr lang="de-CH" smtClean="0"/>
-              <a:t>13:34:33</a:t>
+              <a:t>22:56:49</a:t>
             </a:fld>
             <a:endParaRPr lang="de-CH"/>
           </a:p>
@@ -1810,7 +2065,7 @@
           <a:p>
             <a:fld id="{C2015BCF-757C-4B06-B7CE-D3928441262C}" type="datetime11">
               <a:rPr lang="de-CH" smtClean="0"/>
-              <a:t>13:34:33</a:t>
+              <a:t>22:56:49</a:t>
             </a:fld>
             <a:endParaRPr lang="de-CH"/>
           </a:p>
@@ -2056,7 +2311,7 @@
           <a:p>
             <a:fld id="{3E5EF360-8B75-46F8-B26A-61CF6DDC674D}" type="datetime11">
               <a:rPr lang="de-CH" smtClean="0"/>
-              <a:t>13:34:33</a:t>
+              <a:t>22:56:49</a:t>
             </a:fld>
             <a:endParaRPr lang="de-CH"/>
           </a:p>
@@ -2288,7 +2543,7 @@
           <a:p>
             <a:fld id="{7EB3D9EB-B72C-491C-BD2F-BA42F6403A21}" type="datetime11">
               <a:rPr lang="de-CH" smtClean="0"/>
-              <a:t>13:34:33</a:t>
+              <a:t>22:56:49</a:t>
             </a:fld>
             <a:endParaRPr lang="de-CH"/>
           </a:p>
@@ -2655,7 +2910,7 @@
           <a:p>
             <a:fld id="{BA0DF303-119A-4654-B372-1AF184FF1FA8}" type="datetime11">
               <a:rPr lang="de-CH" smtClean="0"/>
-              <a:t>13:34:33</a:t>
+              <a:t>22:56:49</a:t>
             </a:fld>
             <a:endParaRPr lang="de-CH"/>
           </a:p>
@@ -2773,7 +3028,7 @@
           <a:p>
             <a:fld id="{DD1D1021-A857-468E-BAC0-B11F3E0FFA60}" type="datetime11">
               <a:rPr lang="de-CH" smtClean="0"/>
-              <a:t>13:34:33</a:t>
+              <a:t>22:56:49</a:t>
             </a:fld>
             <a:endParaRPr lang="de-CH"/>
           </a:p>
@@ -2868,7 +3123,7 @@
           <a:p>
             <a:fld id="{1EB7E68A-82D4-48DE-8E56-2B7A57165DE4}" type="datetime11">
               <a:rPr lang="de-CH" smtClean="0"/>
-              <a:t>13:34:33</a:t>
+              <a:t>22:56:49</a:t>
             </a:fld>
             <a:endParaRPr lang="de-CH"/>
           </a:p>
@@ -3145,7 +3400,7 @@
           <a:p>
             <a:fld id="{B3DA7DDC-CC93-40DB-A351-BB8B3DF9C8BA}" type="datetime11">
               <a:rPr lang="de-CH" smtClean="0"/>
-              <a:t>13:34:33</a:t>
+              <a:t>22:56:49</a:t>
             </a:fld>
             <a:endParaRPr lang="de-CH"/>
           </a:p>
@@ -3398,7 +3653,7 @@
           <a:p>
             <a:fld id="{63EA5318-DA75-41D5-90C2-3F578F500F14}" type="datetime11">
               <a:rPr lang="de-CH" smtClean="0"/>
-              <a:t>13:34:33</a:t>
+              <a:t>22:56:49</a:t>
             </a:fld>
             <a:endParaRPr lang="de-CH"/>
           </a:p>
@@ -3611,7 +3866,7 @@
           <a:p>
             <a:fld id="{F787190C-EF03-440D-BA19-7A2E581513FD}" type="datetime11">
               <a:rPr lang="de-CH" smtClean="0"/>
-              <a:t>13:34:33</a:t>
+              <a:t>22:56:49</a:t>
             </a:fld>
             <a:endParaRPr lang="de-CH"/>
           </a:p>
@@ -4199,7 +4454,7 @@
 </p:sld>
 </file>
 
-<file path=ppt/slides/slide2.xml><?xml version="1.0" encoding="utf-8"?>
+<file path=ppt/slides/slide10.xml><?xml version="1.0" encoding="utf-8"?>
 <p:sld xmlns:a="http://schemas.openxmlformats.org/drawingml/2006/main" xmlns:r="http://schemas.openxmlformats.org/officeDocument/2006/relationships" xmlns:p="http://schemas.openxmlformats.org/presentationml/2006/main">
   <p:cSld>
     <p:spTree>
@@ -4233,21 +4488,10 @@
           </a:xfrm>
         </p:spPr>
         <p:txBody>
-          <a:bodyPr>
-            <a:normAutofit/>
-          </a:bodyPr>
-          <a:lstStyle/>
-          <a:p>
-            <a:r>
-              <a:rPr lang="de-CH" sz="3600" b="1" dirty="0" smtClean="0">
-                <a:solidFill>
-                  <a:srgbClr val="474747"/>
-                </a:solidFill>
-                <a:latin typeface="Segoe UI Light" panose="020B0502040204020203" pitchFamily="34" charset="0"/>
-              </a:rPr>
-              <a:t>Agenda</a:t>
-            </a:r>
-            <a:endParaRPr lang="de-CH" sz="3600" b="1" dirty="0">
+          <a:bodyPr/>
+          <a:lstStyle/>
+          <a:p>
+            <a:endParaRPr lang="de-CH" b="1" dirty="0">
               <a:solidFill>
                 <a:srgbClr val="474747"/>
               </a:solidFill>
@@ -4299,13 +4543,515 @@
       </p:pic>
       <p:sp>
         <p:nvSpPr>
+          <p:cNvPr id="5" name="Inhaltsplatzhalter 2"/>
+          <p:cNvSpPr txBox="1">
+            <a:spLocks/>
+          </p:cNvSpPr>
+          <p:nvPr/>
+        </p:nvSpPr>
+        <p:spPr>
+          <a:xfrm>
+            <a:off x="896399" y="1505511"/>
+            <a:ext cx="10759794" cy="4366969"/>
+          </a:xfrm>
+          <a:prstGeom prst="rect">
+            <a:avLst/>
+          </a:prstGeom>
+        </p:spPr>
+        <p:txBody>
+          <a:bodyPr vert="horz" lIns="91440" tIns="45720" rIns="91440" bIns="45720" rtlCol="0" anchor="ctr" anchorCtr="0">
+            <a:normAutofit/>
+          </a:bodyPr>
+          <a:lstStyle>
+            <a:lvl1pPr marL="228600" indent="-228600" algn="l" defTabSz="914400" rtl="0" eaLnBrk="1" latinLnBrk="0" hangingPunct="1">
+              <a:lnSpc>
+                <a:spcPct val="90000"/>
+              </a:lnSpc>
+              <a:spcBef>
+                <a:spcPts val="1000"/>
+              </a:spcBef>
+              <a:buFont typeface="Arial" panose="020B0604020202020204" pitchFamily="34" charset="0"/>
+              <a:buChar char="•"/>
+              <a:defRPr sz="2800" kern="1200">
+                <a:solidFill>
+                  <a:schemeClr val="tx1"/>
+                </a:solidFill>
+                <a:latin typeface="+mn-lt"/>
+                <a:ea typeface="+mn-ea"/>
+                <a:cs typeface="+mn-cs"/>
+              </a:defRPr>
+            </a:lvl1pPr>
+            <a:lvl2pPr marL="685800" indent="-228600" algn="l" defTabSz="914400" rtl="0" eaLnBrk="1" latinLnBrk="0" hangingPunct="1">
+              <a:lnSpc>
+                <a:spcPct val="90000"/>
+              </a:lnSpc>
+              <a:spcBef>
+                <a:spcPts val="500"/>
+              </a:spcBef>
+              <a:buFont typeface="Arial" panose="020B0604020202020204" pitchFamily="34" charset="0"/>
+              <a:buChar char="•"/>
+              <a:defRPr sz="2400" kern="1200">
+                <a:solidFill>
+                  <a:schemeClr val="tx1"/>
+                </a:solidFill>
+                <a:latin typeface="+mn-lt"/>
+                <a:ea typeface="+mn-ea"/>
+                <a:cs typeface="+mn-cs"/>
+              </a:defRPr>
+            </a:lvl2pPr>
+            <a:lvl3pPr marL="1143000" indent="-228600" algn="l" defTabSz="914400" rtl="0" eaLnBrk="1" latinLnBrk="0" hangingPunct="1">
+              <a:lnSpc>
+                <a:spcPct val="90000"/>
+              </a:lnSpc>
+              <a:spcBef>
+                <a:spcPts val="500"/>
+              </a:spcBef>
+              <a:buFont typeface="Arial" panose="020B0604020202020204" pitchFamily="34" charset="0"/>
+              <a:buChar char="•"/>
+              <a:defRPr sz="2000" kern="1200">
+                <a:solidFill>
+                  <a:schemeClr val="tx1"/>
+                </a:solidFill>
+                <a:latin typeface="+mn-lt"/>
+                <a:ea typeface="+mn-ea"/>
+                <a:cs typeface="+mn-cs"/>
+              </a:defRPr>
+            </a:lvl3pPr>
+            <a:lvl4pPr marL="1600200" indent="-228600" algn="l" defTabSz="914400" rtl="0" eaLnBrk="1" latinLnBrk="0" hangingPunct="1">
+              <a:lnSpc>
+                <a:spcPct val="90000"/>
+              </a:lnSpc>
+              <a:spcBef>
+                <a:spcPts val="500"/>
+              </a:spcBef>
+              <a:buFont typeface="Arial" panose="020B0604020202020204" pitchFamily="34" charset="0"/>
+              <a:buChar char="•"/>
+              <a:defRPr sz="1800" kern="1200">
+                <a:solidFill>
+                  <a:schemeClr val="tx1"/>
+                </a:solidFill>
+                <a:latin typeface="+mn-lt"/>
+                <a:ea typeface="+mn-ea"/>
+                <a:cs typeface="+mn-cs"/>
+              </a:defRPr>
+            </a:lvl4pPr>
+            <a:lvl5pPr marL="2057400" indent="-228600" algn="l" defTabSz="914400" rtl="0" eaLnBrk="1" latinLnBrk="0" hangingPunct="1">
+              <a:lnSpc>
+                <a:spcPct val="90000"/>
+              </a:lnSpc>
+              <a:spcBef>
+                <a:spcPts val="500"/>
+              </a:spcBef>
+              <a:buFont typeface="Arial" panose="020B0604020202020204" pitchFamily="34" charset="0"/>
+              <a:buChar char="•"/>
+              <a:defRPr sz="1800" kern="1200">
+                <a:solidFill>
+                  <a:schemeClr val="tx1"/>
+                </a:solidFill>
+                <a:latin typeface="+mn-lt"/>
+                <a:ea typeface="+mn-ea"/>
+                <a:cs typeface="+mn-cs"/>
+              </a:defRPr>
+            </a:lvl5pPr>
+            <a:lvl6pPr marL="2514600" indent="-228600" algn="l" defTabSz="914400" rtl="0" eaLnBrk="1" latinLnBrk="0" hangingPunct="1">
+              <a:lnSpc>
+                <a:spcPct val="90000"/>
+              </a:lnSpc>
+              <a:spcBef>
+                <a:spcPts val="500"/>
+              </a:spcBef>
+              <a:buFont typeface="Arial" panose="020B0604020202020204" pitchFamily="34" charset="0"/>
+              <a:buChar char="•"/>
+              <a:defRPr sz="1800" kern="1200">
+                <a:solidFill>
+                  <a:schemeClr val="tx1"/>
+                </a:solidFill>
+                <a:latin typeface="+mn-lt"/>
+                <a:ea typeface="+mn-ea"/>
+                <a:cs typeface="+mn-cs"/>
+              </a:defRPr>
+            </a:lvl6pPr>
+            <a:lvl7pPr marL="2971800" indent="-228600" algn="l" defTabSz="914400" rtl="0" eaLnBrk="1" latinLnBrk="0" hangingPunct="1">
+              <a:lnSpc>
+                <a:spcPct val="90000"/>
+              </a:lnSpc>
+              <a:spcBef>
+                <a:spcPts val="500"/>
+              </a:spcBef>
+              <a:buFont typeface="Arial" panose="020B0604020202020204" pitchFamily="34" charset="0"/>
+              <a:buChar char="•"/>
+              <a:defRPr sz="1800" kern="1200">
+                <a:solidFill>
+                  <a:schemeClr val="tx1"/>
+                </a:solidFill>
+                <a:latin typeface="+mn-lt"/>
+                <a:ea typeface="+mn-ea"/>
+                <a:cs typeface="+mn-cs"/>
+              </a:defRPr>
+            </a:lvl7pPr>
+            <a:lvl8pPr marL="3429000" indent="-228600" algn="l" defTabSz="914400" rtl="0" eaLnBrk="1" latinLnBrk="0" hangingPunct="1">
+              <a:lnSpc>
+                <a:spcPct val="90000"/>
+              </a:lnSpc>
+              <a:spcBef>
+                <a:spcPts val="500"/>
+              </a:spcBef>
+              <a:buFont typeface="Arial" panose="020B0604020202020204" pitchFamily="34" charset="0"/>
+              <a:buChar char="•"/>
+              <a:defRPr sz="1800" kern="1200">
+                <a:solidFill>
+                  <a:schemeClr val="tx1"/>
+                </a:solidFill>
+                <a:latin typeface="+mn-lt"/>
+                <a:ea typeface="+mn-ea"/>
+                <a:cs typeface="+mn-cs"/>
+              </a:defRPr>
+            </a:lvl8pPr>
+            <a:lvl9pPr marL="3886200" indent="-228600" algn="l" defTabSz="914400" rtl="0" eaLnBrk="1" latinLnBrk="0" hangingPunct="1">
+              <a:lnSpc>
+                <a:spcPct val="90000"/>
+              </a:lnSpc>
+              <a:spcBef>
+                <a:spcPts val="500"/>
+              </a:spcBef>
+              <a:buFont typeface="Arial" panose="020B0604020202020204" pitchFamily="34" charset="0"/>
+              <a:buChar char="•"/>
+              <a:defRPr sz="1800" kern="1200">
+                <a:solidFill>
+                  <a:schemeClr val="tx1"/>
+                </a:solidFill>
+                <a:latin typeface="+mn-lt"/>
+                <a:ea typeface="+mn-ea"/>
+                <a:cs typeface="+mn-cs"/>
+              </a:defRPr>
+            </a:lvl9pPr>
+          </a:lstStyle>
+          <a:p>
+            <a:pPr marL="0" indent="0" algn="ctr">
+              <a:buClr>
+                <a:srgbClr val="AD0000"/>
+              </a:buClr>
+              <a:buFont typeface="Arial" panose="020B0604020202020204" pitchFamily="34" charset="0"/>
+              <a:buNone/>
+            </a:pPr>
+            <a:r>
+              <a:rPr lang="de-CH" sz="9600" b="1" dirty="0" smtClean="0">
+                <a:solidFill>
+                  <a:srgbClr val="474747"/>
+                </a:solidFill>
+                <a:latin typeface="Segoe UI Light" panose="020B0502040204020203" pitchFamily="34" charset="0"/>
+              </a:rPr>
+              <a:t>Live Demo</a:t>
+            </a:r>
+            <a:endParaRPr lang="de-DE" sz="9600" b="1" dirty="0">
+              <a:solidFill>
+                <a:srgbClr val="474747"/>
+              </a:solidFill>
+              <a:latin typeface="Segoe UI Light" panose="020B0502040204020203" pitchFamily="34" charset="0"/>
+            </a:endParaRPr>
+          </a:p>
+        </p:txBody>
+      </p:sp>
+    </p:spTree>
+    <p:extLst>
+      <p:ext uri="{BB962C8B-B14F-4D97-AF65-F5344CB8AC3E}">
+        <p14:creationId xmlns:p14="http://schemas.microsoft.com/office/powerpoint/2010/main" val="2203199700"/>
+      </p:ext>
+    </p:extLst>
+  </p:cSld>
+  <p:clrMapOvr>
+    <a:masterClrMapping/>
+  </p:clrMapOvr>
+  <p:transition spd="med">
+    <p:pull/>
+  </p:transition>
+  <p:timing>
+    <p:tnLst>
+      <p:par>
+        <p:cTn id="1" dur="indefinite" restart="never" nodeType="tmRoot"/>
+      </p:par>
+    </p:tnLst>
+  </p:timing>
+</p:sld>
+</file>
+
+<file path=ppt/slides/slide11.xml><?xml version="1.0" encoding="utf-8"?>
+<p:sld xmlns:a="http://schemas.openxmlformats.org/drawingml/2006/main" xmlns:r="http://schemas.openxmlformats.org/officeDocument/2006/relationships" xmlns:p="http://schemas.openxmlformats.org/presentationml/2006/main">
+  <p:cSld>
+    <p:bg>
+      <p:bgPr>
+        <a:solidFill>
+          <a:srgbClr val="AD0000"/>
+        </a:solidFill>
+        <a:effectLst/>
+      </p:bgPr>
+    </p:bg>
+    <p:spTree>
+      <p:nvGrpSpPr>
+        <p:cNvPr id="1" name=""/>
+        <p:cNvGrpSpPr/>
+        <p:nvPr/>
+      </p:nvGrpSpPr>
+      <p:grpSpPr>
+        <a:xfrm>
+          <a:off x="0" y="0"/>
+          <a:ext cx="0" cy="0"/>
+          <a:chOff x="0" y="0"/>
+          <a:chExt cx="0" cy="0"/>
+        </a:xfrm>
+      </p:grpSpPr>
+      <p:sp>
+        <p:nvSpPr>
+          <p:cNvPr id="2" name="Titel 1"/>
+          <p:cNvSpPr>
+            <a:spLocks noGrp="1"/>
+          </p:cNvSpPr>
+          <p:nvPr>
+            <p:ph type="title"/>
+          </p:nvPr>
+        </p:nvSpPr>
+        <p:spPr>
+          <a:xfrm>
+            <a:off x="897232" y="2860828"/>
+            <a:ext cx="9210153" cy="1325563"/>
+          </a:xfrm>
+        </p:spPr>
+        <p:txBody>
+          <a:bodyPr>
+            <a:normAutofit/>
+          </a:bodyPr>
+          <a:lstStyle/>
+          <a:p>
+            <a:r>
+              <a:rPr lang="de-CH" sz="8800" b="1" dirty="0" smtClean="0">
+                <a:solidFill>
+                  <a:schemeClr val="bg1"/>
+                </a:solidFill>
+                <a:latin typeface="Segoe UI Light" panose="020B0502040204020203" pitchFamily="34" charset="0"/>
+              </a:rPr>
+              <a:t>Besten Dank</a:t>
+            </a:r>
+            <a:endParaRPr lang="de-CH" sz="8800" b="1" dirty="0">
+              <a:solidFill>
+                <a:schemeClr val="bg1"/>
+              </a:solidFill>
+              <a:latin typeface="Segoe UI Light" panose="020B0502040204020203" pitchFamily="34" charset="0"/>
+            </a:endParaRPr>
+          </a:p>
+        </p:txBody>
+      </p:sp>
+      <p:pic>
+        <p:nvPicPr>
+          <p:cNvPr id="1026" name="Picture 2" descr="http://static.mevaleo.de/FFHS-Schweiz-Logo.jpg"/>
+          <p:cNvPicPr>
+            <a:picLocks noChangeAspect="1" noChangeArrowheads="1"/>
+          </p:cNvPicPr>
+          <p:nvPr/>
+        </p:nvPicPr>
+        <p:blipFill>
+          <a:blip r:embed="rId3">
+            <a:extLst>
+              <a:ext uri="{28A0092B-C50C-407E-A947-70E740481C1C}">
+                <a14:useLocalDpi xmlns:a14="http://schemas.microsoft.com/office/drawing/2010/main" val="0"/>
+              </a:ext>
+            </a:extLst>
+          </a:blip>
+          <a:srcRect/>
+          <a:stretch>
+            <a:fillRect/>
+          </a:stretch>
+        </p:blipFill>
+        <p:spPr bwMode="auto">
+          <a:xfrm>
+            <a:off x="9660025" y="179948"/>
+            <a:ext cx="2381250" cy="1095376"/>
+          </a:xfrm>
+          <a:prstGeom prst="rect">
+            <a:avLst/>
+          </a:prstGeom>
+          <a:noFill/>
+          <a:extLst>
+            <a:ext uri="{909E8E84-426E-40DD-AFC4-6F175D3DCCD1}">
+              <a14:hiddenFill xmlns:a14="http://schemas.microsoft.com/office/drawing/2010/main">
+                <a:solidFill>
+                  <a:srgbClr val="FFFFFF"/>
+                </a:solidFill>
+              </a14:hiddenFill>
+            </a:ext>
+          </a:extLst>
+        </p:spPr>
+      </p:pic>
+      <p:pic>
+        <p:nvPicPr>
+          <p:cNvPr id="4" name="Picture 2" descr="file://///glauxsoft.com/intra/Dept/RnD/Public/Icons/v_collections_png/objects_people_industries/256x256/shadow/signal_flag_checkered.png"/>
+          <p:cNvPicPr>
+            <a:picLocks noChangeAspect="1" noChangeArrowheads="1"/>
+          </p:cNvPicPr>
+          <p:nvPr/>
+        </p:nvPicPr>
+        <p:blipFill>
+          <a:blip r:embed="rId4">
+            <a:extLst>
+              <a:ext uri="{28A0092B-C50C-407E-A947-70E740481C1C}">
+                <a14:useLocalDpi xmlns:a14="http://schemas.microsoft.com/office/drawing/2010/main" val="0"/>
+              </a:ext>
+            </a:extLst>
+          </a:blip>
+          <a:srcRect/>
+          <a:stretch>
+            <a:fillRect/>
+          </a:stretch>
+        </p:blipFill>
+        <p:spPr bwMode="auto">
+          <a:xfrm>
+            <a:off x="9977211" y="2779188"/>
+            <a:ext cx="1565275" cy="1565275"/>
+          </a:xfrm>
+          <a:prstGeom prst="rect">
+            <a:avLst/>
+          </a:prstGeom>
+          <a:noFill/>
+          <a:extLst>
+            <a:ext uri="{909E8E84-426E-40DD-AFC4-6F175D3DCCD1}">
+              <a14:hiddenFill xmlns:a14="http://schemas.microsoft.com/office/drawing/2010/main">
+                <a:solidFill>
+                  <a:srgbClr val="FFFFFF"/>
+                </a:solidFill>
+              </a14:hiddenFill>
+            </a:ext>
+          </a:extLst>
+        </p:spPr>
+      </p:pic>
+    </p:spTree>
+    <p:extLst>
+      <p:ext uri="{BB962C8B-B14F-4D97-AF65-F5344CB8AC3E}">
+        <p14:creationId xmlns:p14="http://schemas.microsoft.com/office/powerpoint/2010/main" val="3386722972"/>
+      </p:ext>
+    </p:extLst>
+  </p:cSld>
+  <p:clrMapOvr>
+    <a:masterClrMapping/>
+  </p:clrMapOvr>
+  <p:transition spd="med">
+    <p:pull/>
+  </p:transition>
+  <p:timing>
+    <p:tnLst>
+      <p:par>
+        <p:cTn id="1" dur="indefinite" restart="never" nodeType="tmRoot"/>
+      </p:par>
+    </p:tnLst>
+  </p:timing>
+</p:sld>
+</file>
+
+<file path=ppt/slides/slide2.xml><?xml version="1.0" encoding="utf-8"?>
+<p:sld xmlns:a="http://schemas.openxmlformats.org/drawingml/2006/main" xmlns:r="http://schemas.openxmlformats.org/officeDocument/2006/relationships" xmlns:p="http://schemas.openxmlformats.org/presentationml/2006/main">
+  <p:cSld>
+    <p:spTree>
+      <p:nvGrpSpPr>
+        <p:cNvPr id="1" name=""/>
+        <p:cNvGrpSpPr/>
+        <p:nvPr/>
+      </p:nvGrpSpPr>
+      <p:grpSpPr>
+        <a:xfrm>
+          <a:off x="0" y="0"/>
+          <a:ext cx="0" cy="0"/>
+          <a:chOff x="0" y="0"/>
+          <a:chExt cx="0" cy="0"/>
+        </a:xfrm>
+      </p:grpSpPr>
+      <p:sp>
+        <p:nvSpPr>
+          <p:cNvPr id="2" name="Titel 1"/>
+          <p:cNvSpPr>
+            <a:spLocks noGrp="1"/>
+          </p:cNvSpPr>
+          <p:nvPr>
+            <p:ph type="title"/>
+          </p:nvPr>
+        </p:nvSpPr>
+        <p:spPr>
+          <a:xfrm>
+            <a:off x="896399" y="73093"/>
+            <a:ext cx="11144875" cy="1325563"/>
+          </a:xfrm>
+        </p:spPr>
+        <p:txBody>
+          <a:bodyPr>
+            <a:normAutofit/>
+          </a:bodyPr>
+          <a:lstStyle/>
+          <a:p>
+            <a:r>
+              <a:rPr lang="de-CH" sz="3600" b="1" dirty="0" smtClean="0">
+                <a:solidFill>
+                  <a:srgbClr val="474747"/>
+                </a:solidFill>
+                <a:latin typeface="Segoe UI Light" panose="020B0502040204020203" pitchFamily="34" charset="0"/>
+              </a:rPr>
+              <a:t>Agenda</a:t>
+            </a:r>
+            <a:endParaRPr lang="de-CH" sz="3600" b="1" dirty="0">
+              <a:solidFill>
+                <a:srgbClr val="474747"/>
+              </a:solidFill>
+              <a:latin typeface="Segoe UI Light" panose="020B0502040204020203" pitchFamily="34" charset="0"/>
+            </a:endParaRPr>
+          </a:p>
+        </p:txBody>
+      </p:sp>
+      <p:pic>
+        <p:nvPicPr>
+          <p:cNvPr id="4" name="Picture 2" descr="http://static.mevaleo.de/FFHS-Schweiz-Logo.jpg"/>
+          <p:cNvPicPr>
+            <a:picLocks noChangeAspect="1" noChangeArrowheads="1"/>
+          </p:cNvPicPr>
+          <p:nvPr/>
+        </p:nvPicPr>
+        <p:blipFill>
+          <a:blip r:embed="rId3">
+            <a:extLst>
+              <a:ext uri="{28A0092B-C50C-407E-A947-70E740481C1C}">
+                <a14:useLocalDpi xmlns:a14="http://schemas.microsoft.com/office/drawing/2010/main" val="0"/>
+              </a:ext>
+            </a:extLst>
+          </a:blip>
+          <a:srcRect/>
+          <a:stretch>
+            <a:fillRect/>
+          </a:stretch>
+        </p:blipFill>
+        <p:spPr bwMode="auto">
+          <a:xfrm>
+            <a:off x="9660025" y="179948"/>
+            <a:ext cx="2381250" cy="1095376"/>
+          </a:xfrm>
+          <a:prstGeom prst="rect">
+            <a:avLst/>
+          </a:prstGeom>
+          <a:noFill/>
+          <a:extLst>
+            <a:ext uri="{909E8E84-426E-40DD-AFC4-6F175D3DCCD1}">
+              <a14:hiddenFill xmlns:a14="http://schemas.microsoft.com/office/drawing/2010/main">
+                <a:solidFill>
+                  <a:srgbClr val="FFFFFF"/>
+                </a:solidFill>
+              </a14:hiddenFill>
+            </a:ext>
+          </a:extLst>
+        </p:spPr>
+      </p:pic>
+      <p:sp>
+        <p:nvSpPr>
           <p:cNvPr id="14" name="Rechteck 13"/>
           <p:cNvSpPr/>
           <p:nvPr/>
         </p:nvSpPr>
         <p:spPr>
           <a:xfrm>
-            <a:off x="896399" y="2008757"/>
+            <a:off x="896399" y="1605639"/>
             <a:ext cx="9875434" cy="793816"/>
           </a:xfrm>
           <a:prstGeom prst="rect">
@@ -4361,7 +5107,7 @@
         </p:nvSpPr>
         <p:spPr>
           <a:xfrm>
-            <a:off x="10212687" y="2058997"/>
+            <a:off x="10212687" y="1655879"/>
             <a:ext cx="458665" cy="584775"/>
           </a:xfrm>
           <a:prstGeom prst="rect">
@@ -4403,7 +5149,7 @@
         </p:nvSpPr>
         <p:spPr>
           <a:xfrm>
-            <a:off x="896399" y="2852813"/>
+            <a:off x="896399" y="2449695"/>
             <a:ext cx="9875434" cy="793816"/>
           </a:xfrm>
           <a:prstGeom prst="rect">
@@ -4459,7 +5205,7 @@
         </p:nvSpPr>
         <p:spPr>
           <a:xfrm>
-            <a:off x="10212687" y="2903053"/>
+            <a:off x="10212687" y="2499935"/>
             <a:ext cx="458665" cy="584775"/>
           </a:xfrm>
           <a:prstGeom prst="rect">
@@ -4501,7 +5247,7 @@
         </p:nvSpPr>
         <p:spPr>
           <a:xfrm>
-            <a:off x="896399" y="3696869"/>
+            <a:off x="896399" y="3293751"/>
             <a:ext cx="9875434" cy="793816"/>
           </a:xfrm>
           <a:prstGeom prst="rect">
@@ -4564,7 +5310,7 @@
         </p:nvSpPr>
         <p:spPr>
           <a:xfrm>
-            <a:off x="10212687" y="3747109"/>
+            <a:off x="10212687" y="3343991"/>
             <a:ext cx="458665" cy="584775"/>
           </a:xfrm>
           <a:prstGeom prst="rect">
@@ -4606,7 +5352,7 @@
         </p:nvSpPr>
         <p:spPr>
           <a:xfrm>
-            <a:off x="896399" y="4559975"/>
+            <a:off x="896399" y="4156857"/>
             <a:ext cx="9875434" cy="793816"/>
           </a:xfrm>
           <a:prstGeom prst="rect">
@@ -4668,7 +5414,7 @@
         </p:nvSpPr>
         <p:spPr>
           <a:xfrm>
-            <a:off x="10212687" y="4593247"/>
+            <a:off x="10212687" y="4190129"/>
             <a:ext cx="458665" cy="584775"/>
           </a:xfrm>
           <a:prstGeom prst="rect">
@@ -4710,7 +5456,7 @@
         </p:nvSpPr>
         <p:spPr>
           <a:xfrm>
-            <a:off x="896399" y="5423081"/>
+            <a:off x="896399" y="5019963"/>
             <a:ext cx="9875434" cy="793816"/>
           </a:xfrm>
           <a:prstGeom prst="rect">
@@ -4747,7 +5493,7 @@
               <a:rPr lang="de-CH" sz="3200" dirty="0" smtClean="0">
                 <a:latin typeface="Segoe UI Light" panose="020B0502040204020203" pitchFamily="34" charset="0"/>
               </a:rPr>
-              <a:t>Live-Demo</a:t>
+              <a:t>Fazit des Projekts</a:t>
             </a:r>
             <a:endParaRPr lang="de-CH" sz="3200" dirty="0">
               <a:solidFill>
@@ -4766,7 +5512,7 @@
         </p:nvSpPr>
         <p:spPr>
           <a:xfrm>
-            <a:off x="10212687" y="5456353"/>
+            <a:off x="10212687" y="5053235"/>
             <a:ext cx="458665" cy="584775"/>
           </a:xfrm>
           <a:prstGeom prst="rect">
@@ -4802,13 +5548,69 @@
       </p:sp>
       <p:sp>
         <p:nvSpPr>
-          <p:cNvPr id="21" name="Textfeld 18"/>
+          <p:cNvPr id="23" name="Rechteck 17"/>
+          <p:cNvSpPr/>
+          <p:nvPr/>
+        </p:nvSpPr>
+        <p:spPr>
+          <a:xfrm>
+            <a:off x="896399" y="5883069"/>
+            <a:ext cx="9875434" cy="793816"/>
+          </a:xfrm>
+          <a:prstGeom prst="rect">
+            <a:avLst/>
+          </a:prstGeom>
+          <a:solidFill>
+            <a:srgbClr val="AD0000"/>
+          </a:solidFill>
+          <a:ln>
+            <a:noFill/>
+          </a:ln>
+        </p:spPr>
+        <p:style>
+          <a:lnRef idx="2">
+            <a:schemeClr val="accent1">
+              <a:shade val="50000"/>
+            </a:schemeClr>
+          </a:lnRef>
+          <a:fillRef idx="1">
+            <a:schemeClr val="accent1"/>
+          </a:fillRef>
+          <a:effectRef idx="0">
+            <a:schemeClr val="accent1"/>
+          </a:effectRef>
+          <a:fontRef idx="minor">
+            <a:schemeClr val="lt1"/>
+          </a:fontRef>
+        </p:style>
+        <p:txBody>
+          <a:bodyPr rtlCol="0" anchor="ctr"/>
+          <a:lstStyle/>
+          <a:p>
+            <a:r>
+              <a:rPr lang="de-CH" sz="3200" dirty="0" smtClean="0">
+                <a:latin typeface="Segoe UI Light" panose="020B0502040204020203" pitchFamily="34" charset="0"/>
+              </a:rPr>
+              <a:t>Live-Demo</a:t>
+            </a:r>
+            <a:endParaRPr lang="de-CH" sz="3200" dirty="0">
+              <a:solidFill>
+                <a:schemeClr val="bg1"/>
+              </a:solidFill>
+              <a:ea typeface="Segoe UI Symbol" panose="020B0502040204020203" pitchFamily="34" charset="0"/>
+            </a:endParaRPr>
+          </a:p>
+        </p:txBody>
+      </p:sp>
+      <p:sp>
+        <p:nvSpPr>
+          <p:cNvPr id="24" name="Textfeld 18"/>
           <p:cNvSpPr txBox="1"/>
           <p:nvPr/>
         </p:nvSpPr>
         <p:spPr>
           <a:xfrm>
-            <a:off x="10212687" y="5843209"/>
+            <a:off x="10212687" y="5916341"/>
             <a:ext cx="458665" cy="584775"/>
           </a:xfrm>
           <a:prstGeom prst="rect">
@@ -5236,23 +6038,8 @@
                 </a:solidFill>
                 <a:latin typeface="Segoe UI Light" panose="020B0502040204020203" pitchFamily="34" charset="0"/>
               </a:rPr>
-              <a:t>Wetterdaten über eine Web-Schnittstelle </a:t>
-            </a:r>
-            <a:r>
-              <a:rPr lang="de-DE" smtClean="0">
-                <a:solidFill>
-                  <a:srgbClr val="474747"/>
-                </a:solidFill>
-                <a:latin typeface="Segoe UI Light" panose="020B0502040204020203" pitchFamily="34" charset="0"/>
-              </a:rPr>
-              <a:t>verfügbar machen</a:t>
-            </a:r>
-            <a:endParaRPr lang="de-DE" dirty="0" smtClean="0">
-              <a:solidFill>
-                <a:srgbClr val="474747"/>
-              </a:solidFill>
-              <a:latin typeface="Segoe UI Light" panose="020B0502040204020203" pitchFamily="34" charset="0"/>
-            </a:endParaRPr>
+              <a:t>Wetterdaten über eine Web-Schnittstelle verfügbar machen</a:t>
+            </a:r>
           </a:p>
           <a:p>
             <a:pPr marL="0" indent="0">
@@ -5437,7 +6224,7 @@
                 </a:solidFill>
                 <a:latin typeface="Segoe UI Light" panose="020B0502040204020203" pitchFamily="34" charset="0"/>
               </a:rPr>
-              <a:t>Hardware</a:t>
+              <a:t>Hardware / 1</a:t>
             </a:r>
             <a:endParaRPr lang="de-CH" b="1" dirty="0">
               <a:solidFill>
@@ -5511,12 +6298,160 @@
           </a:bodyPr>
           <a:lstStyle/>
           <a:p>
+            <a:pPr>
+              <a:buClr>
+                <a:srgbClr val="AD0000"/>
+              </a:buClr>
+              <a:buFont typeface="Wingdings" panose="05000000000000000000" pitchFamily="2" charset="2"/>
+              <a:buChar char="§"/>
+            </a:pPr>
+            <a:r>
+              <a:rPr lang="de-DE" dirty="0" smtClean="0">
+                <a:solidFill>
+                  <a:srgbClr val="474747"/>
+                </a:solidFill>
+                <a:latin typeface="Segoe UI Light" panose="020B0502040204020203" pitchFamily="34" charset="0"/>
+              </a:rPr>
+              <a:t>4</a:t>
+            </a:r>
+            <a:r>
+              <a:rPr lang="de-DE" dirty="0" smtClean="0">
+                <a:solidFill>
+                  <a:srgbClr val="474747"/>
+                </a:solidFill>
+                <a:latin typeface="Segoe UI Light" panose="020B0502040204020203" pitchFamily="34" charset="0"/>
+              </a:rPr>
+              <a:t> Sensoren (Druck, Temperatur, Feuchtigkeit, Lichtstärke)</a:t>
+            </a:r>
+          </a:p>
+          <a:p>
+            <a:pPr>
+              <a:buClr>
+                <a:srgbClr val="AD0000"/>
+              </a:buClr>
+              <a:buFont typeface="Wingdings" panose="05000000000000000000" pitchFamily="2" charset="2"/>
+              <a:buChar char="§"/>
+            </a:pPr>
+            <a:r>
+              <a:rPr lang="de-DE" dirty="0" smtClean="0">
+                <a:solidFill>
+                  <a:srgbClr val="474747"/>
+                </a:solidFill>
+                <a:latin typeface="Segoe UI Light" panose="020B0502040204020203" pitchFamily="34" charset="0"/>
+              </a:rPr>
+              <a:t>LCD-Display mit 4 Zeilen</a:t>
+            </a:r>
+          </a:p>
+          <a:p>
+            <a:pPr>
+              <a:buClr>
+                <a:srgbClr val="AD0000"/>
+              </a:buClr>
+              <a:buFont typeface="Wingdings" panose="05000000000000000000" pitchFamily="2" charset="2"/>
+              <a:buChar char="§"/>
+            </a:pPr>
+            <a:r>
+              <a:rPr lang="de-DE" dirty="0" smtClean="0">
+                <a:solidFill>
+                  <a:srgbClr val="474747"/>
+                </a:solidFill>
+                <a:latin typeface="Segoe UI Light" panose="020B0502040204020203" pitchFamily="34" charset="0"/>
+              </a:rPr>
+              <a:t>Master-Baustein (Zusammenführung der 4 Sensoren)</a:t>
+            </a:r>
+            <a:r>
+              <a:rPr lang="de-DE" dirty="0">
+                <a:solidFill>
+                  <a:srgbClr val="474747"/>
+                </a:solidFill>
+                <a:latin typeface="Segoe UI Light" panose="020B0502040204020203" pitchFamily="34" charset="0"/>
+              </a:rPr>
+              <a:t> </a:t>
+            </a:r>
+            <a:r>
+              <a:rPr lang="de-DE" dirty="0" smtClean="0">
+                <a:solidFill>
+                  <a:srgbClr val="474747"/>
+                </a:solidFill>
+                <a:latin typeface="Segoe UI Light" panose="020B0502040204020203" pitchFamily="34" charset="0"/>
+              </a:rPr>
+              <a:t>zur Verbindung mit dem Raspberry Pi</a:t>
+            </a:r>
+          </a:p>
+          <a:p>
+            <a:pPr>
+              <a:buClr>
+                <a:srgbClr val="AD0000"/>
+              </a:buClr>
+              <a:buFont typeface="Wingdings" panose="05000000000000000000" pitchFamily="2" charset="2"/>
+              <a:buChar char="§"/>
+            </a:pPr>
+            <a:r>
+              <a:rPr lang="de-DE" dirty="0" smtClean="0">
+                <a:solidFill>
+                  <a:srgbClr val="474747"/>
+                </a:solidFill>
+                <a:latin typeface="Segoe UI Light" panose="020B0502040204020203" pitchFamily="34" charset="0"/>
+              </a:rPr>
+              <a:t>Stromversorgung (Wandler) mit 6-27 V DC Eingangsspannung und </a:t>
+            </a:r>
+            <a:br>
+              <a:rPr lang="de-DE" dirty="0" smtClean="0">
+                <a:solidFill>
+                  <a:srgbClr val="474747"/>
+                </a:solidFill>
+                <a:latin typeface="Segoe UI Light" panose="020B0502040204020203" pitchFamily="34" charset="0"/>
+              </a:rPr>
+            </a:br>
+            <a:r>
+              <a:rPr lang="de-DE" dirty="0" smtClean="0">
+                <a:solidFill>
+                  <a:srgbClr val="474747"/>
+                </a:solidFill>
+                <a:latin typeface="Segoe UI Light" panose="020B0502040204020203" pitchFamily="34" charset="0"/>
+              </a:rPr>
+              <a:t>5 V DC Ausgangsspannung für die Hardware und das Raspberry Pi</a:t>
+            </a:r>
+          </a:p>
+          <a:p>
+            <a:pPr>
+              <a:buClr>
+                <a:srgbClr val="AD0000"/>
+              </a:buClr>
+              <a:buFont typeface="Wingdings" panose="05000000000000000000" pitchFamily="2" charset="2"/>
+              <a:buChar char="§"/>
+            </a:pPr>
+            <a:r>
+              <a:rPr lang="de-DE" dirty="0" smtClean="0">
+                <a:solidFill>
+                  <a:srgbClr val="474747"/>
+                </a:solidFill>
+                <a:latin typeface="Segoe UI Light" panose="020B0502040204020203" pitchFamily="34" charset="0"/>
+              </a:rPr>
+              <a:t>Raspberry Pi</a:t>
+            </a:r>
+          </a:p>
+          <a:p>
             <a:pPr marL="0" indent="0">
               <a:buClr>
                 <a:srgbClr val="AD0000"/>
               </a:buClr>
               <a:buNone/>
             </a:pPr>
+            <a:endParaRPr lang="de-DE" dirty="0" smtClean="0">
+              <a:solidFill>
+                <a:srgbClr val="474747"/>
+              </a:solidFill>
+              <a:latin typeface="Segoe UI Light" panose="020B0502040204020203" pitchFamily="34" charset="0"/>
+            </a:endParaRPr>
+          </a:p>
+          <a:p>
+            <a:pPr marL="0" indent="0">
+              <a:buClr>
+                <a:srgbClr val="AD0000"/>
+              </a:buClr>
+              <a:buNone/>
+            </a:pPr>
             <a:r>
               <a:rPr lang="de-DE" dirty="0" smtClean="0">
                 <a:solidFill>
@@ -5524,8 +6459,14 @@
                 </a:solidFill>
                 <a:latin typeface="Segoe UI Light" panose="020B0502040204020203" pitchFamily="34" charset="0"/>
               </a:rPr>
-              <a:t>Hardware…</a:t>
-            </a:r>
+              <a:t>Hersteller der Wetterstations-Komponenten: Tinkerforge GmbH</a:t>
+            </a:r>
+            <a:endParaRPr lang="de-DE" dirty="0">
+              <a:solidFill>
+                <a:srgbClr val="474747"/>
+              </a:solidFill>
+              <a:latin typeface="Segoe UI Light" panose="020B0502040204020203" pitchFamily="34" charset="0"/>
+            </a:endParaRPr>
           </a:p>
         </p:txBody>
       </p:sp>
@@ -5596,7 +6537,7 @@
                 </a:solidFill>
                 <a:latin typeface="Segoe UI Light" panose="020B0502040204020203" pitchFamily="34" charset="0"/>
               </a:rPr>
-              <a:t>Steuerung / Web-Anwendung</a:t>
+              <a:t>Hardware / 2</a:t>
             </a:r>
             <a:endParaRPr lang="de-CH" b="1" dirty="0">
               <a:solidFill>
@@ -5648,50 +6589,65 @@
           </a:extLst>
         </p:spPr>
       </p:pic>
-      <p:sp>
-        <p:nvSpPr>
-          <p:cNvPr id="7" name="Inhaltsplatzhalter 2"/>
-          <p:cNvSpPr>
-            <a:spLocks noGrp="1"/>
-          </p:cNvSpPr>
-          <p:nvPr>
-            <p:ph idx="1"/>
-          </p:nvPr>
-        </p:nvSpPr>
+      <p:pic>
+        <p:nvPicPr>
+          <p:cNvPr id="6" name="Grafik 5"/>
+          <p:cNvPicPr/>
+          <p:nvPr/>
+        </p:nvPicPr>
+        <p:blipFill>
+          <a:blip r:embed="rId4"/>
+          <a:stretch>
+            <a:fillRect/>
+          </a:stretch>
+        </p:blipFill>
         <p:spPr>
           <a:xfrm>
-            <a:off x="896399" y="1505511"/>
-            <a:ext cx="10759794" cy="5142939"/>
+            <a:off x="896398" y="1122924"/>
+            <a:ext cx="8212455" cy="5529263"/>
           </a:xfrm>
+          <a:prstGeom prst="rect">
+            <a:avLst/>
+          </a:prstGeom>
         </p:spPr>
-        <p:txBody>
-          <a:bodyPr>
-            <a:normAutofit/>
-          </a:bodyPr>
-          <a:lstStyle/>
-          <a:p>
-            <a:pPr marL="0" indent="0">
-              <a:buClr>
-                <a:srgbClr val="AD0000"/>
-              </a:buClr>
-              <a:buNone/>
-            </a:pPr>
-            <a:r>
-              <a:rPr lang="de-DE" dirty="0" smtClean="0">
-                <a:solidFill>
-                  <a:srgbClr val="474747"/>
-                </a:solidFill>
-                <a:latin typeface="Segoe UI Light" panose="020B0502040204020203" pitchFamily="34" charset="0"/>
-              </a:rPr>
-              <a:t>Steuerung / Web-Anwendung</a:t>
-            </a:r>
-          </a:p>
-        </p:txBody>
-      </p:sp>
+      </p:pic>
+      <p:pic>
+        <p:nvPicPr>
+          <p:cNvPr id="8" name="Grafik 7"/>
+          <p:cNvPicPr/>
+          <p:nvPr/>
+        </p:nvPicPr>
+        <p:blipFill>
+          <a:blip r:embed="rId5">
+            <a:extLst>
+              <a:ext uri="{28A0092B-C50C-407E-A947-70E740481C1C}">
+                <a14:useLocalDpi xmlns:a14="http://schemas.microsoft.com/office/drawing/2010/main" val="0"/>
+              </a:ext>
+            </a:extLst>
+          </a:blip>
+          <a:srcRect/>
+          <a:stretch>
+            <a:fillRect/>
+          </a:stretch>
+        </p:blipFill>
+        <p:spPr bwMode="auto">
+          <a:xfrm>
+            <a:off x="7014439" y="3887555"/>
+            <a:ext cx="4740000" cy="2666667"/>
+          </a:xfrm>
+          <a:prstGeom prst="rect">
+            <a:avLst/>
+          </a:prstGeom>
+          <a:noFill/>
+          <a:ln>
+            <a:noFill/>
+          </a:ln>
+        </p:spPr>
+      </p:pic>
     </p:spTree>
     <p:extLst>
       <p:ext uri="{BB962C8B-B14F-4D97-AF65-F5344CB8AC3E}">
-        <p14:creationId xmlns:p14="http://schemas.microsoft.com/office/powerpoint/2010/main" val="1031855983"/>
+        <p14:creationId xmlns:p14="http://schemas.microsoft.com/office/powerpoint/2010/main" val="2447741518"/>
       </p:ext>
     </p:extLst>
   </p:cSld>
@@ -5748,6 +6704,15 @@
           <a:bodyPr/>
           <a:lstStyle/>
           <a:p>
+            <a:r>
+              <a:rPr lang="de-CH" b="1" dirty="0" smtClean="0">
+                <a:solidFill>
+                  <a:srgbClr val="474747"/>
+                </a:solidFill>
+                <a:latin typeface="Segoe UI Light" panose="020B0502040204020203" pitchFamily="34" charset="0"/>
+              </a:rPr>
+              <a:t>Steuerung</a:t>
+            </a:r>
             <a:endParaRPr lang="de-CH" b="1" dirty="0">
               <a:solidFill>
                 <a:srgbClr val="474747"/>
@@ -5800,207 +6765,133 @@
       </p:pic>
       <p:sp>
         <p:nvSpPr>
-          <p:cNvPr id="5" name="Inhaltsplatzhalter 2"/>
-          <p:cNvSpPr txBox="1">
-            <a:spLocks/>
-          </p:cNvSpPr>
-          <p:nvPr/>
+          <p:cNvPr id="6" name="Inhaltsplatzhalter 2"/>
+          <p:cNvSpPr>
+            <a:spLocks noGrp="1"/>
+          </p:cNvSpPr>
+          <p:nvPr>
+            <p:ph idx="1"/>
+          </p:nvPr>
         </p:nvSpPr>
         <p:spPr>
           <a:xfrm>
-            <a:off x="896399" y="1505511"/>
-            <a:ext cx="10759794" cy="4366969"/>
+            <a:off x="6673446" y="1505930"/>
+            <a:ext cx="5518554" cy="4910704"/>
           </a:xfrm>
-          <a:prstGeom prst="rect">
-            <a:avLst/>
-          </a:prstGeom>
         </p:spPr>
         <p:txBody>
-          <a:bodyPr vert="horz" lIns="91440" tIns="45720" rIns="91440" bIns="45720" rtlCol="0" anchor="ctr" anchorCtr="0">
+          <a:bodyPr>
             <a:normAutofit/>
           </a:bodyPr>
-          <a:lstStyle>
-            <a:lvl1pPr marL="228600" indent="-228600" algn="l" defTabSz="914400" rtl="0" eaLnBrk="1" latinLnBrk="0" hangingPunct="1">
-              <a:lnSpc>
-                <a:spcPct val="90000"/>
-              </a:lnSpc>
-              <a:spcBef>
-                <a:spcPts val="1000"/>
-              </a:spcBef>
-              <a:buFont typeface="Arial" panose="020B0604020202020204" pitchFamily="34" charset="0"/>
-              <a:buChar char="•"/>
-              <a:defRPr sz="2800" kern="1200">
-                <a:solidFill>
-                  <a:schemeClr val="tx1"/>
-                </a:solidFill>
-                <a:latin typeface="+mn-lt"/>
-                <a:ea typeface="+mn-ea"/>
-                <a:cs typeface="+mn-cs"/>
-              </a:defRPr>
-            </a:lvl1pPr>
-            <a:lvl2pPr marL="685800" indent="-228600" algn="l" defTabSz="914400" rtl="0" eaLnBrk="1" latinLnBrk="0" hangingPunct="1">
-              <a:lnSpc>
-                <a:spcPct val="90000"/>
-              </a:lnSpc>
-              <a:spcBef>
-                <a:spcPts val="500"/>
-              </a:spcBef>
-              <a:buFont typeface="Arial" panose="020B0604020202020204" pitchFamily="34" charset="0"/>
-              <a:buChar char="•"/>
-              <a:defRPr sz="2400" kern="1200">
-                <a:solidFill>
-                  <a:schemeClr val="tx1"/>
-                </a:solidFill>
-                <a:latin typeface="+mn-lt"/>
-                <a:ea typeface="+mn-ea"/>
-                <a:cs typeface="+mn-cs"/>
-              </a:defRPr>
-            </a:lvl2pPr>
-            <a:lvl3pPr marL="1143000" indent="-228600" algn="l" defTabSz="914400" rtl="0" eaLnBrk="1" latinLnBrk="0" hangingPunct="1">
-              <a:lnSpc>
-                <a:spcPct val="90000"/>
-              </a:lnSpc>
-              <a:spcBef>
-                <a:spcPts val="500"/>
-              </a:spcBef>
-              <a:buFont typeface="Arial" panose="020B0604020202020204" pitchFamily="34" charset="0"/>
-              <a:buChar char="•"/>
-              <a:defRPr sz="2000" kern="1200">
-                <a:solidFill>
-                  <a:schemeClr val="tx1"/>
-                </a:solidFill>
-                <a:latin typeface="+mn-lt"/>
-                <a:ea typeface="+mn-ea"/>
-                <a:cs typeface="+mn-cs"/>
-              </a:defRPr>
-            </a:lvl3pPr>
-            <a:lvl4pPr marL="1600200" indent="-228600" algn="l" defTabSz="914400" rtl="0" eaLnBrk="1" latinLnBrk="0" hangingPunct="1">
-              <a:lnSpc>
-                <a:spcPct val="90000"/>
-              </a:lnSpc>
-              <a:spcBef>
-                <a:spcPts val="500"/>
-              </a:spcBef>
-              <a:buFont typeface="Arial" panose="020B0604020202020204" pitchFamily="34" charset="0"/>
-              <a:buChar char="•"/>
-              <a:defRPr sz="1800" kern="1200">
-                <a:solidFill>
-                  <a:schemeClr val="tx1"/>
-                </a:solidFill>
-                <a:latin typeface="+mn-lt"/>
-                <a:ea typeface="+mn-ea"/>
-                <a:cs typeface="+mn-cs"/>
-              </a:defRPr>
-            </a:lvl4pPr>
-            <a:lvl5pPr marL="2057400" indent="-228600" algn="l" defTabSz="914400" rtl="0" eaLnBrk="1" latinLnBrk="0" hangingPunct="1">
-              <a:lnSpc>
-                <a:spcPct val="90000"/>
-              </a:lnSpc>
-              <a:spcBef>
-                <a:spcPts val="500"/>
-              </a:spcBef>
-              <a:buFont typeface="Arial" panose="020B0604020202020204" pitchFamily="34" charset="0"/>
-              <a:buChar char="•"/>
-              <a:defRPr sz="1800" kern="1200">
-                <a:solidFill>
-                  <a:schemeClr val="tx1"/>
-                </a:solidFill>
-                <a:latin typeface="+mn-lt"/>
-                <a:ea typeface="+mn-ea"/>
-                <a:cs typeface="+mn-cs"/>
-              </a:defRPr>
-            </a:lvl5pPr>
-            <a:lvl6pPr marL="2514600" indent="-228600" algn="l" defTabSz="914400" rtl="0" eaLnBrk="1" latinLnBrk="0" hangingPunct="1">
-              <a:lnSpc>
-                <a:spcPct val="90000"/>
-              </a:lnSpc>
-              <a:spcBef>
-                <a:spcPts val="500"/>
-              </a:spcBef>
-              <a:buFont typeface="Arial" panose="020B0604020202020204" pitchFamily="34" charset="0"/>
-              <a:buChar char="•"/>
-              <a:defRPr sz="1800" kern="1200">
-                <a:solidFill>
-                  <a:schemeClr val="tx1"/>
-                </a:solidFill>
-                <a:latin typeface="+mn-lt"/>
-                <a:ea typeface="+mn-ea"/>
-                <a:cs typeface="+mn-cs"/>
-              </a:defRPr>
-            </a:lvl6pPr>
-            <a:lvl7pPr marL="2971800" indent="-228600" algn="l" defTabSz="914400" rtl="0" eaLnBrk="1" latinLnBrk="0" hangingPunct="1">
-              <a:lnSpc>
-                <a:spcPct val="90000"/>
-              </a:lnSpc>
-              <a:spcBef>
-                <a:spcPts val="500"/>
-              </a:spcBef>
-              <a:buFont typeface="Arial" panose="020B0604020202020204" pitchFamily="34" charset="0"/>
-              <a:buChar char="•"/>
-              <a:defRPr sz="1800" kern="1200">
-                <a:solidFill>
-                  <a:schemeClr val="tx1"/>
-                </a:solidFill>
-                <a:latin typeface="+mn-lt"/>
-                <a:ea typeface="+mn-ea"/>
-                <a:cs typeface="+mn-cs"/>
-              </a:defRPr>
-            </a:lvl7pPr>
-            <a:lvl8pPr marL="3429000" indent="-228600" algn="l" defTabSz="914400" rtl="0" eaLnBrk="1" latinLnBrk="0" hangingPunct="1">
-              <a:lnSpc>
-                <a:spcPct val="90000"/>
-              </a:lnSpc>
-              <a:spcBef>
-                <a:spcPts val="500"/>
-              </a:spcBef>
-              <a:buFont typeface="Arial" panose="020B0604020202020204" pitchFamily="34" charset="0"/>
-              <a:buChar char="•"/>
-              <a:defRPr sz="1800" kern="1200">
-                <a:solidFill>
-                  <a:schemeClr val="tx1"/>
-                </a:solidFill>
-                <a:latin typeface="+mn-lt"/>
-                <a:ea typeface="+mn-ea"/>
-                <a:cs typeface="+mn-cs"/>
-              </a:defRPr>
-            </a:lvl8pPr>
-            <a:lvl9pPr marL="3886200" indent="-228600" algn="l" defTabSz="914400" rtl="0" eaLnBrk="1" latinLnBrk="0" hangingPunct="1">
-              <a:lnSpc>
-                <a:spcPct val="90000"/>
-              </a:lnSpc>
-              <a:spcBef>
-                <a:spcPts val="500"/>
-              </a:spcBef>
-              <a:buFont typeface="Arial" panose="020B0604020202020204" pitchFamily="34" charset="0"/>
-              <a:buChar char="•"/>
-              <a:defRPr sz="1800" kern="1200">
-                <a:solidFill>
-                  <a:schemeClr val="tx1"/>
-                </a:solidFill>
-                <a:latin typeface="+mn-lt"/>
-                <a:ea typeface="+mn-ea"/>
-                <a:cs typeface="+mn-cs"/>
-              </a:defRPr>
-            </a:lvl9pPr>
-          </a:lstStyle>
-          <a:p>
-            <a:pPr marL="0" indent="0" algn="ctr">
+          <a:lstStyle/>
+          <a:p>
+            <a:pPr>
               <a:buClr>
                 <a:srgbClr val="AD0000"/>
               </a:buClr>
-              <a:buFont typeface="Arial" panose="020B0604020202020204" pitchFamily="34" charset="0"/>
-              <a:buNone/>
+              <a:buFont typeface="Wingdings" panose="05000000000000000000" pitchFamily="2" charset="2"/>
+              <a:buChar char="§"/>
             </a:pPr>
             <a:r>
-              <a:rPr lang="de-CH" sz="9600" b="1" dirty="0" smtClean="0">
+              <a:rPr lang="de-DE" dirty="0" smtClean="0">
                 <a:solidFill>
                   <a:srgbClr val="474747"/>
                 </a:solidFill>
                 <a:latin typeface="Segoe UI Light" panose="020B0502040204020203" pitchFamily="34" charset="0"/>
               </a:rPr>
-              <a:t>Live Demo</a:t>
-            </a:r>
-            <a:endParaRPr lang="de-DE" sz="9600" b="1" dirty="0">
+              <a:t>C / C++ Anwendung</a:t>
+            </a:r>
+          </a:p>
+          <a:p>
+            <a:pPr>
+              <a:buClr>
+                <a:srgbClr val="AD0000"/>
+              </a:buClr>
+              <a:buFont typeface="Wingdings" panose="05000000000000000000" pitchFamily="2" charset="2"/>
+              <a:buChar char="§"/>
+            </a:pPr>
+            <a:r>
+              <a:rPr lang="de-DE" dirty="0" smtClean="0">
+                <a:solidFill>
+                  <a:srgbClr val="474747"/>
+                </a:solidFill>
+                <a:latin typeface="Segoe UI Light" panose="020B0502040204020203" pitchFamily="34" charset="0"/>
+              </a:rPr>
+              <a:t>Framework von Tinkerforge zur Ansteuerung der Hardware</a:t>
+            </a:r>
+          </a:p>
+          <a:p>
+            <a:pPr>
+              <a:buClr>
+                <a:srgbClr val="AD0000"/>
+              </a:buClr>
+              <a:buFont typeface="Wingdings" panose="05000000000000000000" pitchFamily="2" charset="2"/>
+              <a:buChar char="§"/>
+            </a:pPr>
+            <a:r>
+              <a:rPr lang="de-DE" dirty="0" smtClean="0">
+                <a:solidFill>
+                  <a:srgbClr val="474747"/>
+                </a:solidFill>
+                <a:latin typeface="Segoe UI Light" panose="020B0502040204020203" pitchFamily="34" charset="0"/>
+              </a:rPr>
+              <a:t>Dienst (startet mit Raspberry Pi)</a:t>
+            </a:r>
+          </a:p>
+          <a:p>
+            <a:pPr>
+              <a:buClr>
+                <a:srgbClr val="AD0000"/>
+              </a:buClr>
+              <a:buFont typeface="Wingdings" panose="05000000000000000000" pitchFamily="2" charset="2"/>
+              <a:buChar char="§"/>
+            </a:pPr>
+            <a:r>
+              <a:rPr lang="de-DE" dirty="0" smtClean="0">
+                <a:solidFill>
+                  <a:srgbClr val="474747"/>
+                </a:solidFill>
+                <a:latin typeface="Segoe UI Light" panose="020B0502040204020203" pitchFamily="34" charset="0"/>
+              </a:rPr>
+              <a:t>Kommuniziert über TCP/IP mit dem Master-Brick (Port 4223)</a:t>
+            </a:r>
+          </a:p>
+          <a:p>
+            <a:pPr>
+              <a:buClr>
+                <a:srgbClr val="AD0000"/>
+              </a:buClr>
+              <a:buFont typeface="Wingdings" panose="05000000000000000000" pitchFamily="2" charset="2"/>
+              <a:buChar char="§"/>
+            </a:pPr>
+            <a:r>
+              <a:rPr lang="de-DE" dirty="0" smtClean="0">
+                <a:solidFill>
+                  <a:srgbClr val="474747"/>
+                </a:solidFill>
+                <a:latin typeface="Segoe UI Light" panose="020B0502040204020203" pitchFamily="34" charset="0"/>
+              </a:rPr>
+              <a:t>Messwerte werden alle x-Sekunden in SQLite gespeichert</a:t>
+            </a:r>
+          </a:p>
+          <a:p>
+            <a:pPr>
+              <a:buClr>
+                <a:srgbClr val="AD0000"/>
+              </a:buClr>
+              <a:buFont typeface="Wingdings" panose="05000000000000000000" pitchFamily="2" charset="2"/>
+              <a:buChar char="§"/>
+            </a:pPr>
+            <a:r>
+              <a:rPr lang="de-DE" dirty="0" smtClean="0">
+                <a:solidFill>
+                  <a:srgbClr val="474747"/>
+                </a:solidFill>
+                <a:latin typeface="Segoe UI Light" panose="020B0502040204020203" pitchFamily="34" charset="0"/>
+              </a:rPr>
+              <a:t>Anzeige der ermittelten Messwerte auf LCD-Display</a:t>
+            </a:r>
+            <a:endParaRPr lang="de-DE" dirty="0" smtClean="0">
               <a:solidFill>
                 <a:srgbClr val="474747"/>
               </a:solidFill>
@@ -6009,10 +6900,64 @@
           </a:p>
         </p:txBody>
       </p:sp>
+      <p:pic>
+        <p:nvPicPr>
+          <p:cNvPr id="2050" name="Picture 2" descr="sequence-startup-running"/>
+          <p:cNvPicPr>
+            <a:picLocks noChangeAspect="1" noChangeArrowheads="1"/>
+          </p:cNvPicPr>
+          <p:nvPr/>
+        </p:nvPicPr>
+        <p:blipFill>
+          <a:blip r:embed="rId4">
+            <a:extLst>
+              <a:ext uri="{28A0092B-C50C-407E-A947-70E740481C1C}">
+                <a14:useLocalDpi xmlns:a14="http://schemas.microsoft.com/office/drawing/2010/main" val="0"/>
+              </a:ext>
+            </a:extLst>
+          </a:blip>
+          <a:srcRect/>
+          <a:stretch>
+            <a:fillRect/>
+          </a:stretch>
+        </p:blipFill>
+        <p:spPr bwMode="auto">
+          <a:xfrm>
+            <a:off x="582295" y="1579563"/>
+            <a:ext cx="5526088" cy="4191000"/>
+          </a:xfrm>
+          <a:prstGeom prst="rect">
+            <a:avLst/>
+          </a:prstGeom>
+          <a:noFill/>
+          <a:ln>
+            <a:noFill/>
+          </a:ln>
+          <a:extLst>
+            <a:ext uri="{909E8E84-426E-40DD-AFC4-6F175D3DCCD1}">
+              <a14:hiddenFill xmlns:a14="http://schemas.microsoft.com/office/drawing/2010/main">
+                <a:solidFill>
+                  <a:srgbClr val="FFFFFF"/>
+                </a:solidFill>
+              </a14:hiddenFill>
+            </a:ext>
+            <a:ext uri="{91240B29-F687-4F45-9708-019B960494DF}">
+              <a14:hiddenLine xmlns:a14="http://schemas.microsoft.com/office/drawing/2010/main" w="9525">
+                <a:solidFill>
+                  <a:srgbClr val="000000"/>
+                </a:solidFill>
+                <a:miter lim="800000"/>
+                <a:headEnd/>
+                <a:tailEnd/>
+              </a14:hiddenLine>
+            </a:ext>
+          </a:extLst>
+        </p:spPr>
+      </p:pic>
     </p:spTree>
     <p:extLst>
       <p:ext uri="{BB962C8B-B14F-4D97-AF65-F5344CB8AC3E}">
-        <p14:creationId xmlns:p14="http://schemas.microsoft.com/office/powerpoint/2010/main" val="2203199700"/>
+        <p14:creationId xmlns:p14="http://schemas.microsoft.com/office/powerpoint/2010/main" val="1031855983"/>
       </p:ext>
     </p:extLst>
   </p:cSld>
@@ -6035,14 +6980,6 @@
 <file path=ppt/slides/slide8.xml><?xml version="1.0" encoding="utf-8"?>
 <p:sld xmlns:a="http://schemas.openxmlformats.org/drawingml/2006/main" xmlns:r="http://schemas.openxmlformats.org/officeDocument/2006/relationships" xmlns:p="http://schemas.openxmlformats.org/presentationml/2006/main">
   <p:cSld>
-    <p:bg>
-      <p:bgPr>
-        <a:solidFill>
-          <a:srgbClr val="AD0000"/>
-        </a:solidFill>
-        <a:effectLst/>
-      </p:bgPr>
-    </p:bg>
     <p:spTree>
       <p:nvGrpSpPr>
         <p:cNvPr id="1" name=""/>
@@ -6069,28 +7006,26 @@
         </p:nvSpPr>
         <p:spPr>
           <a:xfrm>
-            <a:off x="897232" y="2860828"/>
-            <a:ext cx="9210153" cy="1325563"/>
+            <a:off x="896399" y="73093"/>
+            <a:ext cx="11144875" cy="1325563"/>
           </a:xfrm>
         </p:spPr>
         <p:txBody>
-          <a:bodyPr>
-            <a:normAutofit/>
-          </a:bodyPr>
-          <a:lstStyle/>
-          <a:p>
-            <a:r>
-              <a:rPr lang="de-CH" sz="8800" b="1" dirty="0" smtClean="0">
-                <a:solidFill>
-                  <a:schemeClr val="bg1"/>
+          <a:bodyPr/>
+          <a:lstStyle/>
+          <a:p>
+            <a:r>
+              <a:rPr lang="de-CH" b="1" dirty="0" smtClean="0">
+                <a:solidFill>
+                  <a:srgbClr val="474747"/>
                 </a:solidFill>
                 <a:latin typeface="Segoe UI Light" panose="020B0502040204020203" pitchFamily="34" charset="0"/>
               </a:rPr>
-              <a:t>Besten Dank</a:t>
-            </a:r>
-            <a:endParaRPr lang="de-CH" sz="8800" b="1" dirty="0">
+              <a:t>Web-Anwendung</a:t>
+            </a:r>
+            <a:endParaRPr lang="de-CH" b="1" dirty="0">
               <a:solidFill>
-                <a:schemeClr val="bg1"/>
+                <a:srgbClr val="474747"/>
               </a:solidFill>
               <a:latin typeface="Segoe UI Light" panose="020B0502040204020203" pitchFamily="34" charset="0"/>
             </a:endParaRPr>
@@ -6099,7 +7034,7 @@
       </p:sp>
       <p:pic>
         <p:nvPicPr>
-          <p:cNvPr id="1026" name="Picture 2" descr="http://static.mevaleo.de/FFHS-Schweiz-Logo.jpg"/>
+          <p:cNvPr id="4" name="Picture 2" descr="http://static.mevaleo.de/FFHS-Schweiz-Logo.jpg"/>
           <p:cNvPicPr>
             <a:picLocks noChangeAspect="1" noChangeArrowheads="1"/>
           </p:cNvPicPr>
@@ -6138,16 +7073,219 @@
           </a:extLst>
         </p:spPr>
       </p:pic>
+      <p:sp>
+        <p:nvSpPr>
+          <p:cNvPr id="8" name="Inhaltsplatzhalter 2"/>
+          <p:cNvSpPr>
+            <a:spLocks noGrp="1"/>
+          </p:cNvSpPr>
+          <p:nvPr>
+            <p:ph idx="1"/>
+          </p:nvPr>
+        </p:nvSpPr>
+        <p:spPr>
+          <a:xfrm>
+            <a:off x="6740073" y="2795832"/>
+            <a:ext cx="5372321" cy="2446728"/>
+          </a:xfrm>
+        </p:spPr>
+        <p:txBody>
+          <a:bodyPr>
+            <a:normAutofit/>
+          </a:bodyPr>
+          <a:lstStyle/>
+          <a:p>
+            <a:pPr>
+              <a:buClr>
+                <a:srgbClr val="AD0000"/>
+              </a:buClr>
+              <a:buFont typeface="Wingdings" panose="05000000000000000000" pitchFamily="2" charset="2"/>
+              <a:buChar char="§"/>
+            </a:pPr>
+            <a:r>
+              <a:rPr lang="de-DE" dirty="0" smtClean="0">
+                <a:solidFill>
+                  <a:srgbClr val="474747"/>
+                </a:solidFill>
+                <a:latin typeface="Segoe UI Light" panose="020B0502040204020203" pitchFamily="34" charset="0"/>
+              </a:rPr>
+              <a:t>Entwickelt mit PHP 5</a:t>
+            </a:r>
+          </a:p>
+          <a:p>
+            <a:pPr>
+              <a:buClr>
+                <a:srgbClr val="AD0000"/>
+              </a:buClr>
+              <a:buFont typeface="Wingdings" panose="05000000000000000000" pitchFamily="2" charset="2"/>
+              <a:buChar char="§"/>
+            </a:pPr>
+            <a:r>
+              <a:rPr lang="de-DE" dirty="0" smtClean="0">
+                <a:solidFill>
+                  <a:srgbClr val="474747"/>
+                </a:solidFill>
+                <a:latin typeface="Segoe UI Light" panose="020B0502040204020203" pitchFamily="34" charset="0"/>
+              </a:rPr>
+              <a:t>JPGraph für die Diagramme</a:t>
+            </a:r>
+          </a:p>
+          <a:p>
+            <a:pPr>
+              <a:buClr>
+                <a:srgbClr val="AD0000"/>
+              </a:buClr>
+              <a:buFont typeface="Wingdings" panose="05000000000000000000" pitchFamily="2" charset="2"/>
+              <a:buChar char="§"/>
+            </a:pPr>
+            <a:r>
+              <a:rPr lang="de-DE" dirty="0" smtClean="0">
+                <a:solidFill>
+                  <a:srgbClr val="474747"/>
+                </a:solidFill>
+                <a:latin typeface="Segoe UI Light" panose="020B0502040204020203" pitchFamily="34" charset="0"/>
+              </a:rPr>
+              <a:t>Verbindung zu SQLite Datenbank für die Abfrage der Messwerte</a:t>
+            </a:r>
+          </a:p>
+          <a:p>
+            <a:pPr>
+              <a:buClr>
+                <a:srgbClr val="AD0000"/>
+              </a:buClr>
+              <a:buFont typeface="Wingdings" panose="05000000000000000000" pitchFamily="2" charset="2"/>
+              <a:buChar char="§"/>
+            </a:pPr>
+            <a:r>
+              <a:rPr lang="de-DE" dirty="0" smtClean="0">
+                <a:solidFill>
+                  <a:srgbClr val="474747"/>
+                </a:solidFill>
+                <a:latin typeface="Segoe UI Light" panose="020B0502040204020203" pitchFamily="34" charset="0"/>
+              </a:rPr>
+              <a:t>Apache 2 als Webserver</a:t>
+            </a:r>
+            <a:endParaRPr lang="de-DE" dirty="0" smtClean="0">
+              <a:solidFill>
+                <a:srgbClr val="474747"/>
+              </a:solidFill>
+              <a:latin typeface="Segoe UI Light" panose="020B0502040204020203" pitchFamily="34" charset="0"/>
+            </a:endParaRPr>
+          </a:p>
+        </p:txBody>
+      </p:sp>
       <p:pic>
         <p:nvPicPr>
-          <p:cNvPr id="4" name="Picture 2" descr="file://///glauxsoft.com/intra/Dept/RnD/Public/Icons/v_collections_png/objects_people_industries/256x256/shadow/signal_flag_checkered.png"/>
+          <p:cNvPr id="5" name="Grafik 4"/>
+          <p:cNvPicPr>
+            <a:picLocks noChangeAspect="1"/>
+          </p:cNvPicPr>
+          <p:nvPr/>
+        </p:nvPicPr>
+        <p:blipFill>
+          <a:blip r:embed="rId4"/>
+          <a:stretch>
+            <a:fillRect/>
+          </a:stretch>
+        </p:blipFill>
+        <p:spPr>
+          <a:xfrm>
+            <a:off x="778556" y="1398656"/>
+            <a:ext cx="5819048" cy="4942857"/>
+          </a:xfrm>
+          <a:prstGeom prst="rect">
+            <a:avLst/>
+          </a:prstGeom>
+        </p:spPr>
+      </p:pic>
+    </p:spTree>
+    <p:extLst>
+      <p:ext uri="{BB962C8B-B14F-4D97-AF65-F5344CB8AC3E}">
+        <p14:creationId xmlns:p14="http://schemas.microsoft.com/office/powerpoint/2010/main" val="1611824463"/>
+      </p:ext>
+    </p:extLst>
+  </p:cSld>
+  <p:clrMapOvr>
+    <a:masterClrMapping/>
+  </p:clrMapOvr>
+  <p:transition spd="med">
+    <p:pull/>
+  </p:transition>
+  <p:timing>
+    <p:tnLst>
+      <p:par>
+        <p:cTn id="1" dur="indefinite" restart="never" nodeType="tmRoot"/>
+      </p:par>
+    </p:tnLst>
+  </p:timing>
+</p:sld>
+</file>
+
+<file path=ppt/slides/slide9.xml><?xml version="1.0" encoding="utf-8"?>
+<p:sld xmlns:a="http://schemas.openxmlformats.org/drawingml/2006/main" xmlns:r="http://schemas.openxmlformats.org/officeDocument/2006/relationships" xmlns:p="http://schemas.openxmlformats.org/presentationml/2006/main">
+  <p:cSld>
+    <p:spTree>
+      <p:nvGrpSpPr>
+        <p:cNvPr id="1" name=""/>
+        <p:cNvGrpSpPr/>
+        <p:nvPr/>
+      </p:nvGrpSpPr>
+      <p:grpSpPr>
+        <a:xfrm>
+          <a:off x="0" y="0"/>
+          <a:ext cx="0" cy="0"/>
+          <a:chOff x="0" y="0"/>
+          <a:chExt cx="0" cy="0"/>
+        </a:xfrm>
+      </p:grpSpPr>
+      <p:sp>
+        <p:nvSpPr>
+          <p:cNvPr id="2" name="Titel 1"/>
+          <p:cNvSpPr>
+            <a:spLocks noGrp="1"/>
+          </p:cNvSpPr>
+          <p:nvPr>
+            <p:ph type="title"/>
+          </p:nvPr>
+        </p:nvSpPr>
+        <p:spPr>
+          <a:xfrm>
+            <a:off x="896399" y="73093"/>
+            <a:ext cx="11144875" cy="1325563"/>
+          </a:xfrm>
+        </p:spPr>
+        <p:txBody>
+          <a:bodyPr/>
+          <a:lstStyle/>
+          <a:p>
+            <a:r>
+              <a:rPr lang="de-CH" b="1" dirty="0" smtClean="0">
+                <a:solidFill>
+                  <a:srgbClr val="474747"/>
+                </a:solidFill>
+                <a:latin typeface="Segoe UI Light" panose="020B0502040204020203" pitchFamily="34" charset="0"/>
+              </a:rPr>
+              <a:t>Fazit</a:t>
+            </a:r>
+            <a:endParaRPr lang="de-CH" b="1" dirty="0">
+              <a:solidFill>
+                <a:srgbClr val="474747"/>
+              </a:solidFill>
+              <a:latin typeface="Segoe UI Light" panose="020B0502040204020203" pitchFamily="34" charset="0"/>
+            </a:endParaRPr>
+          </a:p>
+        </p:txBody>
+      </p:sp>
+      <p:pic>
+        <p:nvPicPr>
+          <p:cNvPr id="4" name="Picture 2" descr="http://static.mevaleo.de/FFHS-Schweiz-Logo.jpg"/>
           <p:cNvPicPr>
             <a:picLocks noChangeAspect="1" noChangeArrowheads="1"/>
           </p:cNvPicPr>
           <p:nvPr/>
         </p:nvPicPr>
         <p:blipFill>
-          <a:blip r:embed="rId4">
+          <a:blip r:embed="rId3">
             <a:extLst>
               <a:ext uri="{28A0092B-C50C-407E-A947-70E740481C1C}">
                 <a14:useLocalDpi xmlns:a14="http://schemas.microsoft.com/office/drawing/2010/main" val="0"/>
@@ -6161,8 +7299,8 @@
         </p:blipFill>
         <p:spPr bwMode="auto">
           <a:xfrm>
-            <a:off x="9977211" y="2779188"/>
-            <a:ext cx="1565275" cy="1565275"/>
+            <a:off x="9660025" y="179948"/>
+            <a:ext cx="2381250" cy="1095376"/>
           </a:xfrm>
           <a:prstGeom prst="rect">
             <a:avLst/>
@@ -6179,10 +7317,111 @@
           </a:extLst>
         </p:spPr>
       </p:pic>
+      <p:sp>
+        <p:nvSpPr>
+          <p:cNvPr id="7" name="Inhaltsplatzhalter 2"/>
+          <p:cNvSpPr>
+            <a:spLocks noGrp="1"/>
+          </p:cNvSpPr>
+          <p:nvPr>
+            <p:ph idx="1"/>
+          </p:nvPr>
+        </p:nvSpPr>
+        <p:spPr>
+          <a:xfrm>
+            <a:off x="896399" y="2043991"/>
+            <a:ext cx="10759794" cy="3848809"/>
+          </a:xfrm>
+        </p:spPr>
+        <p:txBody>
+          <a:bodyPr>
+            <a:normAutofit/>
+          </a:bodyPr>
+          <a:lstStyle/>
+          <a:p>
+            <a:pPr>
+              <a:buClr>
+                <a:srgbClr val="AD0000"/>
+              </a:buClr>
+              <a:buFont typeface="Wingdings" panose="05000000000000000000" pitchFamily="2" charset="2"/>
+              <a:buChar char="§"/>
+            </a:pPr>
+            <a:r>
+              <a:rPr lang="de-DE" dirty="0" smtClean="0">
+                <a:solidFill>
+                  <a:srgbClr val="474747"/>
+                </a:solidFill>
+                <a:latin typeface="Segoe UI Light" panose="020B0502040204020203" pitchFamily="34" charset="0"/>
+              </a:rPr>
+              <a:t>Integration der Steuerung, der SQLite Datenbank und der Web-Anwendung hat gut bis sehr gut funktioniert</a:t>
+            </a:r>
+          </a:p>
+          <a:p>
+            <a:pPr>
+              <a:buClr>
+                <a:srgbClr val="AD0000"/>
+              </a:buClr>
+              <a:buFont typeface="Wingdings" panose="05000000000000000000" pitchFamily="2" charset="2"/>
+              <a:buChar char="§"/>
+            </a:pPr>
+            <a:r>
+              <a:rPr lang="de-DE" dirty="0" smtClean="0">
+                <a:solidFill>
+                  <a:srgbClr val="474747"/>
+                </a:solidFill>
+                <a:latin typeface="Segoe UI Light" panose="020B0502040204020203" pitchFamily="34" charset="0"/>
+              </a:rPr>
+              <a:t>Ansteuerung der Hardware war trotz oder gerade wegen dem Framework von Tinkerforge eine Herausforderung</a:t>
+            </a:r>
+          </a:p>
+          <a:p>
+            <a:pPr>
+              <a:buClr>
+                <a:srgbClr val="AD0000"/>
+              </a:buClr>
+              <a:buFont typeface="Wingdings" panose="05000000000000000000" pitchFamily="2" charset="2"/>
+              <a:buChar char="§"/>
+            </a:pPr>
+            <a:r>
+              <a:rPr lang="de-DE" dirty="0" smtClean="0">
+                <a:solidFill>
+                  <a:srgbClr val="474747"/>
+                </a:solidFill>
+                <a:latin typeface="Segoe UI Light" panose="020B0502040204020203" pitchFamily="34" charset="0"/>
+              </a:rPr>
+              <a:t>Missverständliche Spezifikation einer Hardware-Komponente (Temperatur des Chips und nicht der Umgebung)</a:t>
+            </a:r>
+          </a:p>
+          <a:p>
+            <a:pPr>
+              <a:buClr>
+                <a:srgbClr val="AD0000"/>
+              </a:buClr>
+              <a:buFont typeface="Wingdings" panose="05000000000000000000" pitchFamily="2" charset="2"/>
+              <a:buChar char="§"/>
+            </a:pPr>
+            <a:r>
+              <a:rPr lang="de-DE" dirty="0" smtClean="0">
+                <a:solidFill>
+                  <a:srgbClr val="474747"/>
+                </a:solidFill>
+                <a:latin typeface="Segoe UI Light" panose="020B0502040204020203" pitchFamily="34" charset="0"/>
+              </a:rPr>
+              <a:t>Defekter / nicht angeschlossener Sensor für die Steuerung nicht eindeutig erkennbar</a:t>
+            </a:r>
+            <a:endParaRPr lang="de-DE" dirty="0" smtClean="0">
+              <a:solidFill>
+                <a:srgbClr val="474747"/>
+              </a:solidFill>
+              <a:latin typeface="Segoe UI Light" panose="020B0502040204020203" pitchFamily="34" charset="0"/>
+            </a:endParaRPr>
+          </a:p>
+        </p:txBody>
+      </p:sp>
     </p:spTree>
     <p:extLst>
       <p:ext uri="{BB962C8B-B14F-4D97-AF65-F5344CB8AC3E}">
-        <p14:creationId xmlns:p14="http://schemas.microsoft.com/office/powerpoint/2010/main" val="3386722972"/>
+        <p14:creationId xmlns:p14="http://schemas.microsoft.com/office/powerpoint/2010/main" val="3917013967"/>
       </p:ext>
     </p:extLst>
   </p:cSld>
